--- a/static/data/Apresentação SCC.pptx
+++ b/static/data/Apresentação SCC.pptx
@@ -17,10 +17,9 @@
     <p:sldId id="265" r:id="rId11"/>
     <p:sldId id="266" r:id="rId12"/>
     <p:sldId id="271" r:id="rId13"/>
-    <p:sldId id="268" r:id="rId14"/>
-    <p:sldId id="269" r:id="rId15"/>
-    <p:sldId id="270" r:id="rId16"/>
-    <p:sldId id="267" r:id="rId17"/>
+    <p:sldId id="269" r:id="rId14"/>
+    <p:sldId id="270" r:id="rId15"/>
+    <p:sldId id="267" r:id="rId16"/>
   </p:sldIdLst>
   <p:sldSz cx="12192000" cy="6858000"/>
   <p:notesSz cx="7104063" cy="10234613"/>
@@ -274,7 +273,7 @@
           <a:p>
             <a:fld id="{B266C559-F7D9-4DD9-A31C-C67573C08F50}" type="datetimeFigureOut">
               <a:rPr lang="pt-BR" smtClean="0"/>
-              <a:t>17/10/2023</a:t>
+              <a:t>18/10/2023</a:t>
             </a:fld>
             <a:endParaRPr lang="pt-BR"/>
           </a:p>
@@ -484,7 +483,7 @@
           <a:p>
             <a:fld id="{B266C559-F7D9-4DD9-A31C-C67573C08F50}" type="datetimeFigureOut">
               <a:rPr lang="pt-BR" smtClean="0"/>
-              <a:t>17/10/2023</a:t>
+              <a:t>18/10/2023</a:t>
             </a:fld>
             <a:endParaRPr lang="pt-BR"/>
           </a:p>
@@ -704,7 +703,7 @@
           <a:p>
             <a:fld id="{B266C559-F7D9-4DD9-A31C-C67573C08F50}" type="datetimeFigureOut">
               <a:rPr lang="pt-BR" smtClean="0"/>
-              <a:t>17/10/2023</a:t>
+              <a:t>18/10/2023</a:t>
             </a:fld>
             <a:endParaRPr lang="pt-BR"/>
           </a:p>
@@ -914,7 +913,7 @@
           <a:p>
             <a:fld id="{B266C559-F7D9-4DD9-A31C-C67573C08F50}" type="datetimeFigureOut">
               <a:rPr lang="pt-BR" smtClean="0"/>
-              <a:t>17/10/2023</a:t>
+              <a:t>18/10/2023</a:t>
             </a:fld>
             <a:endParaRPr lang="pt-BR"/>
           </a:p>
@@ -1201,7 +1200,7 @@
           <a:p>
             <a:fld id="{B266C559-F7D9-4DD9-A31C-C67573C08F50}" type="datetimeFigureOut">
               <a:rPr lang="pt-BR" smtClean="0"/>
-              <a:t>17/10/2023</a:t>
+              <a:t>18/10/2023</a:t>
             </a:fld>
             <a:endParaRPr lang="pt-BR"/>
           </a:p>
@@ -1478,7 +1477,7 @@
           <a:p>
             <a:fld id="{B266C559-F7D9-4DD9-A31C-C67573C08F50}" type="datetimeFigureOut">
               <a:rPr lang="pt-BR" smtClean="0"/>
-              <a:t>17/10/2023</a:t>
+              <a:t>18/10/2023</a:t>
             </a:fld>
             <a:endParaRPr lang="pt-BR"/>
           </a:p>
@@ -1902,7 +1901,7 @@
           <a:p>
             <a:fld id="{B266C559-F7D9-4DD9-A31C-C67573C08F50}" type="datetimeFigureOut">
               <a:rPr lang="pt-BR" smtClean="0"/>
-              <a:t>17/10/2023</a:t>
+              <a:t>18/10/2023</a:t>
             </a:fld>
             <a:endParaRPr lang="pt-BR"/>
           </a:p>
@@ -2055,7 +2054,7 @@
           <a:p>
             <a:fld id="{B266C559-F7D9-4DD9-A31C-C67573C08F50}" type="datetimeFigureOut">
               <a:rPr lang="pt-BR" smtClean="0"/>
-              <a:t>17/10/2023</a:t>
+              <a:t>18/10/2023</a:t>
             </a:fld>
             <a:endParaRPr lang="pt-BR"/>
           </a:p>
@@ -2180,7 +2179,7 @@
           <a:p>
             <a:fld id="{B266C559-F7D9-4DD9-A31C-C67573C08F50}" type="datetimeFigureOut">
               <a:rPr lang="pt-BR" smtClean="0"/>
-              <a:t>17/10/2023</a:t>
+              <a:t>18/10/2023</a:t>
             </a:fld>
             <a:endParaRPr lang="pt-BR"/>
           </a:p>
@@ -2503,7 +2502,7 @@
           <a:p>
             <a:fld id="{B266C559-F7D9-4DD9-A31C-C67573C08F50}" type="datetimeFigureOut">
               <a:rPr lang="pt-BR" smtClean="0"/>
-              <a:t>17/10/2023</a:t>
+              <a:t>18/10/2023</a:t>
             </a:fld>
             <a:endParaRPr lang="pt-BR"/>
           </a:p>
@@ -2803,7 +2802,7 @@
           <a:p>
             <a:fld id="{B266C559-F7D9-4DD9-A31C-C67573C08F50}" type="datetimeFigureOut">
               <a:rPr lang="pt-BR" smtClean="0"/>
-              <a:t>17/10/2023</a:t>
+              <a:t>18/10/2023</a:t>
             </a:fld>
             <a:endParaRPr lang="pt-BR"/>
           </a:p>
@@ -3056,7 +3055,7 @@
           <a:p>
             <a:fld id="{B266C559-F7D9-4DD9-A31C-C67573C08F50}" type="datetimeFigureOut">
               <a:rPr lang="pt-BR" smtClean="0"/>
-              <a:t>17/10/2023</a:t>
+              <a:t>18/10/2023</a:t>
             </a:fld>
             <a:endParaRPr lang="pt-BR"/>
           </a:p>
@@ -6386,11 +6385,11 @@
   <p:clrMapOvr>
     <a:masterClrMapping/>
   </p:clrMapOvr>
-  <mc:AlternateContent xmlns:mc="http://schemas.openxmlformats.org/markup-compatibility/2006">
-    <mc:Choice xmlns:p14="http://schemas.microsoft.com/office/powerpoint/2010/main" Requires="p14">
+  <mc:AlternateContent xmlns:mc="http://schemas.openxmlformats.org/markup-compatibility/2006" xmlns:p14="http://schemas.microsoft.com/office/powerpoint/2010/main">
+    <mc:Choice Requires="p14">
       <p:transition p14:dur="0"/>
     </mc:Choice>
-    <mc:Fallback>
+    <mc:Fallback xmlns="">
       <p:transition/>
     </mc:Fallback>
   </mc:AlternateContent>
@@ -6914,68 +6913,6 @@
           </a:p>
         </p:txBody>
       </p:sp>
-      <p:sp>
-        <p:nvSpPr>
-          <p:cNvPr id="9" name="CaixaDeTexto 8">
-            <a:extLst>
-              <a:ext uri="{FF2B5EF4-FFF2-40B4-BE49-F238E27FC236}">
-                <a16:creationId xmlns:a16="http://schemas.microsoft.com/office/drawing/2014/main" id="{25CE7629-D530-CD11-2F79-8955E13FE95A}"/>
-              </a:ext>
-            </a:extLst>
-          </p:cNvPr>
-          <p:cNvSpPr txBox="1"/>
-          <p:nvPr/>
-        </p:nvSpPr>
-        <p:spPr>
-          <a:xfrm>
-            <a:off x="1156996" y="2120599"/>
-            <a:ext cx="7787973" cy="2308324"/>
-          </a:xfrm>
-          <a:prstGeom prst="rect">
-            <a:avLst/>
-          </a:prstGeom>
-          <a:noFill/>
-        </p:spPr>
-        <p:txBody>
-          <a:bodyPr wrap="square" rtlCol="0">
-            <a:spAutoFit/>
-          </a:bodyPr>
-          <a:lstStyle/>
-          <a:p>
-            <a:pPr algn="just"/>
-            <a:r>
-              <a:rPr lang="pt-BR" dirty="0"/>
-              <a:t>O custo da plataforma será de R$ 17,50 por login.</a:t>
-            </a:r>
-          </a:p>
-          <a:p>
-            <a:pPr algn="just"/>
-            <a:endParaRPr lang="pt-BR" dirty="0"/>
-          </a:p>
-          <a:p>
-            <a:pPr algn="just"/>
-            <a:r>
-              <a:rPr lang="pt-BR" dirty="0"/>
-              <a:t>A média de custo de concorrentes é de R$ 57,00 por login, baseando nesse dado, nosso custo está cerca de 70% abaixo.</a:t>
-            </a:r>
-          </a:p>
-          <a:p>
-            <a:pPr algn="just"/>
-            <a:endParaRPr lang="pt-BR" dirty="0"/>
-          </a:p>
-          <a:p>
-            <a:pPr algn="just"/>
-            <a:r>
-              <a:rPr lang="pt-BR" dirty="0"/>
-              <a:t>Se compararmos com custo de plataformas de BI, a média de custo é de R$ 64,00 por login, nesse caso nosso custo estaria cerca de 72,65% abaixo</a:t>
-            </a:r>
-          </a:p>
-          <a:p>
-            <a:pPr algn="just"/>
-            <a:endParaRPr lang="pt-BR" dirty="0"/>
-          </a:p>
-        </p:txBody>
-      </p:sp>
       <p:pic>
         <p:nvPicPr>
           <p:cNvPr id="4" name="Imagem 3" descr="Uma imagem contendo mesa&#10;&#10;Descrição gerada automaticamente">
@@ -7007,8 +6944,8 @@
         </p:blipFill>
         <p:spPr>
           <a:xfrm>
-            <a:off x="9740377" y="2533480"/>
-            <a:ext cx="2162586" cy="1619852"/>
+            <a:off x="10390247" y="3046389"/>
+            <a:ext cx="1601556" cy="1199621"/>
           </a:xfrm>
           <a:prstGeom prst="rect">
             <a:avLst/>
@@ -7020,7 +6957,7 @@
           <p:cNvPr id="2" name="Imagem 1">
             <a:extLst>
               <a:ext uri="{FF2B5EF4-FFF2-40B4-BE49-F238E27FC236}">
-                <a16:creationId xmlns:a16="http://schemas.microsoft.com/office/drawing/2014/main" id="{32633267-90C9-FB4F-65F2-DC323B1C00ED}"/>
+                <a16:creationId xmlns:a16="http://schemas.microsoft.com/office/drawing/2014/main" id="{0DC76A87-4FFD-E4DC-AC24-4CB886EAA16A}"/>
               </a:ext>
             </a:extLst>
           </p:cNvPr>
@@ -7045,10 +6982,1361 @@
           </a:prstGeom>
         </p:spPr>
       </p:pic>
+      <p:graphicFrame>
+        <p:nvGraphicFramePr>
+          <p:cNvPr id="3" name="Tabela 2">
+            <a:extLst>
+              <a:ext uri="{FF2B5EF4-FFF2-40B4-BE49-F238E27FC236}">
+                <a16:creationId xmlns:a16="http://schemas.microsoft.com/office/drawing/2014/main" id="{DB063A76-5392-ABEF-8B59-4ED43BB2E411}"/>
+              </a:ext>
+            </a:extLst>
+          </p:cNvPr>
+          <p:cNvGraphicFramePr>
+            <a:graphicFrameLocks noGrp="1"/>
+          </p:cNvGraphicFramePr>
+          <p:nvPr>
+            <p:extLst>
+              <p:ext uri="{D42A27DB-BD31-4B8C-83A1-F6EECF244321}">
+                <p14:modId xmlns:p14="http://schemas.microsoft.com/office/powerpoint/2010/main" val="3047920528"/>
+              </p:ext>
+            </p:extLst>
+          </p:nvPr>
+        </p:nvGraphicFramePr>
+        <p:xfrm>
+          <a:off x="405816" y="1286169"/>
+          <a:ext cx="9593733" cy="4114474"/>
+        </p:xfrm>
+        <a:graphic>
+          <a:graphicData uri="http://schemas.openxmlformats.org/drawingml/2006/table">
+            <a:tbl>
+              <a:tblPr firstRow="1" bandRow="1">
+                <a:tableStyleId>{5C22544A-7EE6-4342-B048-85BDC9FD1C3A}</a:tableStyleId>
+              </a:tblPr>
+              <a:tblGrid>
+                <a:gridCol w="3620827">
+                  <a:extLst>
+                    <a:ext uri="{9D8B030D-6E8A-4147-A177-3AD203B41FA5}">
+                      <a16:colId xmlns:a16="http://schemas.microsoft.com/office/drawing/2014/main" val="40721902"/>
+                    </a:ext>
+                  </a:extLst>
+                </a:gridCol>
+                <a:gridCol w="1173700">
+                  <a:extLst>
+                    <a:ext uri="{9D8B030D-6E8A-4147-A177-3AD203B41FA5}">
+                      <a16:colId xmlns:a16="http://schemas.microsoft.com/office/drawing/2014/main" val="3431458213"/>
+                    </a:ext>
+                  </a:extLst>
+                </a:gridCol>
+                <a:gridCol w="1173701">
+                  <a:extLst>
+                    <a:ext uri="{9D8B030D-6E8A-4147-A177-3AD203B41FA5}">
+                      <a16:colId xmlns:a16="http://schemas.microsoft.com/office/drawing/2014/main" val="3698612678"/>
+                    </a:ext>
+                  </a:extLst>
+                </a:gridCol>
+                <a:gridCol w="1273426">
+                  <a:extLst>
+                    <a:ext uri="{9D8B030D-6E8A-4147-A177-3AD203B41FA5}">
+                      <a16:colId xmlns:a16="http://schemas.microsoft.com/office/drawing/2014/main" val="2760174687"/>
+                    </a:ext>
+                  </a:extLst>
+                </a:gridCol>
+                <a:gridCol w="1089317">
+                  <a:extLst>
+                    <a:ext uri="{9D8B030D-6E8A-4147-A177-3AD203B41FA5}">
+                      <a16:colId xmlns:a16="http://schemas.microsoft.com/office/drawing/2014/main" val="2846395502"/>
+                    </a:ext>
+                  </a:extLst>
+                </a:gridCol>
+                <a:gridCol w="1262762">
+                  <a:extLst>
+                    <a:ext uri="{9D8B030D-6E8A-4147-A177-3AD203B41FA5}">
+                      <a16:colId xmlns:a16="http://schemas.microsoft.com/office/drawing/2014/main" val="2452558638"/>
+                    </a:ext>
+                  </a:extLst>
+                </a:gridCol>
+              </a:tblGrid>
+              <a:tr h="316498">
+                <a:tc>
+                  <a:txBody>
+                    <a:bodyPr/>
+                    <a:lstStyle/>
+                    <a:p>
+                      <a:endParaRPr lang="pt-BR" sz="1100" dirty="0"/>
+                    </a:p>
+                  </a:txBody>
+                  <a:tcPr/>
+                </a:tc>
+                <a:tc>
+                  <a:txBody>
+                    <a:bodyPr/>
+                    <a:lstStyle/>
+                    <a:p>
+                      <a:pPr algn="l"/>
+                      <a:r>
+                        <a:rPr lang="pt-BR" sz="1100" dirty="0">
+                          <a:effectLst/>
+                        </a:rPr>
+                        <a:t>INICIAL</a:t>
+                      </a:r>
+                    </a:p>
+                  </a:txBody>
+                  <a:tcPr/>
+                </a:tc>
+                <a:tc>
+                  <a:txBody>
+                    <a:bodyPr/>
+                    <a:lstStyle/>
+                    <a:p>
+                      <a:pPr algn="l"/>
+                      <a:r>
+                        <a:rPr lang="pt-BR" sz="1100" dirty="0">
+                          <a:effectLst/>
+                        </a:rPr>
+                        <a:t>BÁSICO</a:t>
+                      </a:r>
+                    </a:p>
+                  </a:txBody>
+                  <a:tcPr/>
+                </a:tc>
+                <a:tc>
+                  <a:txBody>
+                    <a:bodyPr/>
+                    <a:lstStyle/>
+                    <a:p>
+                      <a:pPr algn="l"/>
+                      <a:r>
+                        <a:rPr lang="pt-BR" sz="1100">
+                          <a:effectLst/>
+                        </a:rPr>
+                        <a:t>VIP</a:t>
+                      </a:r>
+                    </a:p>
+                  </a:txBody>
+                  <a:tcPr/>
+                </a:tc>
+                <a:tc>
+                  <a:txBody>
+                    <a:bodyPr/>
+                    <a:lstStyle/>
+                    <a:p>
+                      <a:pPr algn="l"/>
+                      <a:r>
+                        <a:rPr lang="pt-BR" sz="1100">
+                          <a:effectLst/>
+                        </a:rPr>
+                        <a:t>PREMIUM</a:t>
+                      </a:r>
+                    </a:p>
+                  </a:txBody>
+                  <a:tcPr/>
+                </a:tc>
+                <a:tc>
+                  <a:txBody>
+                    <a:bodyPr/>
+                    <a:lstStyle/>
+                    <a:p>
+                      <a:pPr algn="l"/>
+                      <a:r>
+                        <a:rPr lang="pt-BR" sz="1100" dirty="0">
+                          <a:effectLst/>
+                        </a:rPr>
+                        <a:t>PERSONALIZADO</a:t>
+                      </a:r>
+                    </a:p>
+                  </a:txBody>
+                  <a:tcPr/>
+                </a:tc>
+                <a:extLst>
+                  <a:ext uri="{0D108BD9-81ED-4DB2-BD59-A6C34878D82A}">
+                    <a16:rowId xmlns:a16="http://schemas.microsoft.com/office/drawing/2014/main" val="4219217790"/>
+                  </a:ext>
+                </a:extLst>
+              </a:tr>
+              <a:tr h="316498">
+                <a:tc>
+                  <a:txBody>
+                    <a:bodyPr/>
+                    <a:lstStyle/>
+                    <a:p>
+                      <a:pPr algn="l"/>
+                      <a:r>
+                        <a:rPr lang="pt-BR" sz="1100" dirty="0">
+                          <a:effectLst/>
+                        </a:rPr>
+                        <a:t>Preço</a:t>
+                      </a:r>
+                    </a:p>
+                  </a:txBody>
+                  <a:tcPr/>
+                </a:tc>
+                <a:tc>
+                  <a:txBody>
+                    <a:bodyPr/>
+                    <a:lstStyle/>
+                    <a:p>
+                      <a:r>
+                        <a:rPr lang="pt-BR" sz="1100">
+                          <a:effectLst/>
+                        </a:rPr>
+                        <a:t>R$ 399,99</a:t>
+                      </a:r>
+                    </a:p>
+                  </a:txBody>
+                  <a:tcPr/>
+                </a:tc>
+                <a:tc>
+                  <a:txBody>
+                    <a:bodyPr/>
+                    <a:lstStyle/>
+                    <a:p>
+                      <a:r>
+                        <a:rPr lang="pt-BR" sz="1100">
+                          <a:effectLst/>
+                        </a:rPr>
+                        <a:t>R$ 1.299,99</a:t>
+                      </a:r>
+                    </a:p>
+                  </a:txBody>
+                  <a:tcPr/>
+                </a:tc>
+                <a:tc>
+                  <a:txBody>
+                    <a:bodyPr/>
+                    <a:lstStyle/>
+                    <a:p>
+                      <a:r>
+                        <a:rPr lang="pt-BR" sz="1100">
+                          <a:effectLst/>
+                        </a:rPr>
+                        <a:t>R$ 3.999,99</a:t>
+                      </a:r>
+                    </a:p>
+                  </a:txBody>
+                  <a:tcPr/>
+                </a:tc>
+                <a:tc>
+                  <a:txBody>
+                    <a:bodyPr/>
+                    <a:lstStyle/>
+                    <a:p>
+                      <a:r>
+                        <a:rPr lang="pt-BR" sz="1100">
+                          <a:effectLst/>
+                        </a:rPr>
+                        <a:t>R$ 7.999,99</a:t>
+                      </a:r>
+                    </a:p>
+                  </a:txBody>
+                  <a:tcPr/>
+                </a:tc>
+                <a:tc>
+                  <a:txBody>
+                    <a:bodyPr/>
+                    <a:lstStyle/>
+                    <a:p>
+                      <a:r>
+                        <a:rPr lang="pt-BR" sz="1100">
+                          <a:effectLst/>
+                        </a:rPr>
+                        <a:t>Variável</a:t>
+                      </a:r>
+                    </a:p>
+                  </a:txBody>
+                  <a:tcPr/>
+                </a:tc>
+                <a:extLst>
+                  <a:ext uri="{0D108BD9-81ED-4DB2-BD59-A6C34878D82A}">
+                    <a16:rowId xmlns:a16="http://schemas.microsoft.com/office/drawing/2014/main" val="1643241596"/>
+                  </a:ext>
+                </a:extLst>
+              </a:tr>
+              <a:tr h="316498">
+                <a:tc>
+                  <a:txBody>
+                    <a:bodyPr/>
+                    <a:lstStyle/>
+                    <a:p>
+                      <a:pPr algn="l"/>
+                      <a:r>
+                        <a:rPr lang="pt-BR" sz="1100">
+                          <a:effectLst/>
+                        </a:rPr>
+                        <a:t>Quantidade de Usuários</a:t>
+                      </a:r>
+                    </a:p>
+                  </a:txBody>
+                  <a:tcPr/>
+                </a:tc>
+                <a:tc>
+                  <a:txBody>
+                    <a:bodyPr/>
+                    <a:lstStyle/>
+                    <a:p>
+                      <a:r>
+                        <a:rPr lang="pt-BR" sz="1100">
+                          <a:effectLst/>
+                        </a:rPr>
+                        <a:t>10</a:t>
+                      </a:r>
+                    </a:p>
+                  </a:txBody>
+                  <a:tcPr/>
+                </a:tc>
+                <a:tc>
+                  <a:txBody>
+                    <a:bodyPr/>
+                    <a:lstStyle/>
+                    <a:p>
+                      <a:r>
+                        <a:rPr lang="pt-BR" sz="1100">
+                          <a:effectLst/>
+                        </a:rPr>
+                        <a:t>50</a:t>
+                      </a:r>
+                    </a:p>
+                  </a:txBody>
+                  <a:tcPr/>
+                </a:tc>
+                <a:tc>
+                  <a:txBody>
+                    <a:bodyPr/>
+                    <a:lstStyle/>
+                    <a:p>
+                      <a:r>
+                        <a:rPr lang="pt-BR" sz="1100">
+                          <a:effectLst/>
+                        </a:rPr>
+                        <a:t>200</a:t>
+                      </a:r>
+                    </a:p>
+                  </a:txBody>
+                  <a:tcPr/>
+                </a:tc>
+                <a:tc>
+                  <a:txBody>
+                    <a:bodyPr/>
+                    <a:lstStyle/>
+                    <a:p>
+                      <a:r>
+                        <a:rPr lang="pt-BR" sz="1100">
+                          <a:effectLst/>
+                        </a:rPr>
+                        <a:t>500</a:t>
+                      </a:r>
+                    </a:p>
+                  </a:txBody>
+                  <a:tcPr/>
+                </a:tc>
+                <a:tc>
+                  <a:txBody>
+                    <a:bodyPr/>
+                    <a:lstStyle/>
+                    <a:p>
+                      <a:r>
+                        <a:rPr lang="pt-BR" sz="1100">
+                          <a:effectLst/>
+                        </a:rPr>
+                        <a:t>Acima de 500</a:t>
+                      </a:r>
+                    </a:p>
+                  </a:txBody>
+                  <a:tcPr/>
+                </a:tc>
+                <a:extLst>
+                  <a:ext uri="{0D108BD9-81ED-4DB2-BD59-A6C34878D82A}">
+                    <a16:rowId xmlns:a16="http://schemas.microsoft.com/office/drawing/2014/main" val="2852719112"/>
+                  </a:ext>
+                </a:extLst>
+              </a:tr>
+              <a:tr h="316498">
+                <a:tc>
+                  <a:txBody>
+                    <a:bodyPr/>
+                    <a:lstStyle/>
+                    <a:p>
+                      <a:pPr algn="l"/>
+                      <a:r>
+                        <a:rPr lang="pt-BR" sz="1100">
+                          <a:effectLst/>
+                        </a:rPr>
+                        <a:t>Backup</a:t>
+                      </a:r>
+                    </a:p>
+                  </a:txBody>
+                  <a:tcPr/>
+                </a:tc>
+                <a:tc>
+                  <a:txBody>
+                    <a:bodyPr/>
+                    <a:lstStyle/>
+                    <a:p>
+                      <a:r>
+                        <a:rPr lang="pt-BR" sz="1100">
+                          <a:effectLst/>
+                        </a:rPr>
+                        <a:t>-</a:t>
+                      </a:r>
+                    </a:p>
+                  </a:txBody>
+                  <a:tcPr/>
+                </a:tc>
+                <a:tc>
+                  <a:txBody>
+                    <a:bodyPr/>
+                    <a:lstStyle/>
+                    <a:p>
+                      <a:r>
+                        <a:rPr lang="pt-BR" sz="1100">
+                          <a:effectLst/>
+                        </a:rPr>
+                        <a:t>-</a:t>
+                      </a:r>
+                    </a:p>
+                  </a:txBody>
+                  <a:tcPr/>
+                </a:tc>
+                <a:tc>
+                  <a:txBody>
+                    <a:bodyPr/>
+                    <a:lstStyle/>
+                    <a:p>
+                      <a:r>
+                        <a:rPr lang="pt-BR" sz="1100">
+                          <a:effectLst/>
+                        </a:rPr>
+                        <a:t>Mensal</a:t>
+                      </a:r>
+                    </a:p>
+                  </a:txBody>
+                  <a:tcPr/>
+                </a:tc>
+                <a:tc>
+                  <a:txBody>
+                    <a:bodyPr/>
+                    <a:lstStyle/>
+                    <a:p>
+                      <a:r>
+                        <a:rPr lang="pt-BR" sz="1100">
+                          <a:effectLst/>
+                        </a:rPr>
+                        <a:t>Semanal</a:t>
+                      </a:r>
+                    </a:p>
+                  </a:txBody>
+                  <a:tcPr/>
+                </a:tc>
+                <a:tc>
+                  <a:txBody>
+                    <a:bodyPr/>
+                    <a:lstStyle/>
+                    <a:p>
+                      <a:r>
+                        <a:rPr lang="pt-BR" sz="1100">
+                          <a:effectLst/>
+                        </a:rPr>
+                        <a:t>Diário</a:t>
+                      </a:r>
+                    </a:p>
+                  </a:txBody>
+                  <a:tcPr/>
+                </a:tc>
+                <a:extLst>
+                  <a:ext uri="{0D108BD9-81ED-4DB2-BD59-A6C34878D82A}">
+                    <a16:rowId xmlns:a16="http://schemas.microsoft.com/office/drawing/2014/main" val="1717538584"/>
+                  </a:ext>
+                </a:extLst>
+              </a:tr>
+              <a:tr h="316498">
+                <a:tc>
+                  <a:txBody>
+                    <a:bodyPr/>
+                    <a:lstStyle/>
+                    <a:p>
+                      <a:pPr algn="l"/>
+                      <a:r>
+                        <a:rPr lang="pt-BR" sz="1100">
+                          <a:effectLst/>
+                        </a:rPr>
+                        <a:t>Backup Extra</a:t>
+                      </a:r>
+                    </a:p>
+                  </a:txBody>
+                  <a:tcPr/>
+                </a:tc>
+                <a:tc>
+                  <a:txBody>
+                    <a:bodyPr/>
+                    <a:lstStyle/>
+                    <a:p>
+                      <a:r>
+                        <a:rPr lang="pt-BR" sz="1100">
+                          <a:effectLst/>
+                        </a:rPr>
+                        <a:t>R$ 250,00</a:t>
+                      </a:r>
+                    </a:p>
+                  </a:txBody>
+                  <a:tcPr/>
+                </a:tc>
+                <a:tc>
+                  <a:txBody>
+                    <a:bodyPr/>
+                    <a:lstStyle/>
+                    <a:p>
+                      <a:r>
+                        <a:rPr lang="pt-BR" sz="1100">
+                          <a:effectLst/>
+                        </a:rPr>
+                        <a:t>R$ 250,00</a:t>
+                      </a:r>
+                    </a:p>
+                  </a:txBody>
+                  <a:tcPr/>
+                </a:tc>
+                <a:tc>
+                  <a:txBody>
+                    <a:bodyPr/>
+                    <a:lstStyle/>
+                    <a:p>
+                      <a:r>
+                        <a:rPr lang="pt-BR" sz="1100">
+                          <a:effectLst/>
+                        </a:rPr>
+                        <a:t>R$ 250,00</a:t>
+                      </a:r>
+                    </a:p>
+                  </a:txBody>
+                  <a:tcPr/>
+                </a:tc>
+                <a:tc>
+                  <a:txBody>
+                    <a:bodyPr/>
+                    <a:lstStyle/>
+                    <a:p>
+                      <a:r>
+                        <a:rPr lang="pt-BR" sz="1100">
+                          <a:effectLst/>
+                        </a:rPr>
+                        <a:t>R$ 250,00</a:t>
+                      </a:r>
+                    </a:p>
+                  </a:txBody>
+                  <a:tcPr/>
+                </a:tc>
+                <a:tc>
+                  <a:txBody>
+                    <a:bodyPr/>
+                    <a:lstStyle/>
+                    <a:p>
+                      <a:r>
+                        <a:rPr lang="pt-BR" sz="1100">
+                          <a:effectLst/>
+                        </a:rPr>
+                        <a:t>R$ 200,00</a:t>
+                      </a:r>
+                    </a:p>
+                  </a:txBody>
+                  <a:tcPr/>
+                </a:tc>
+                <a:extLst>
+                  <a:ext uri="{0D108BD9-81ED-4DB2-BD59-A6C34878D82A}">
+                    <a16:rowId xmlns:a16="http://schemas.microsoft.com/office/drawing/2014/main" val="566113663"/>
+                  </a:ext>
+                </a:extLst>
+              </a:tr>
+              <a:tr h="316498">
+                <a:tc>
+                  <a:txBody>
+                    <a:bodyPr/>
+                    <a:lstStyle/>
+                    <a:p>
+                      <a:pPr algn="l"/>
+                      <a:r>
+                        <a:rPr lang="pt-BR" sz="1100">
+                          <a:effectLst/>
+                        </a:rPr>
+                        <a:t>Qtde de Restauração Mensal</a:t>
+                      </a:r>
+                    </a:p>
+                  </a:txBody>
+                  <a:tcPr/>
+                </a:tc>
+                <a:tc>
+                  <a:txBody>
+                    <a:bodyPr/>
+                    <a:lstStyle/>
+                    <a:p>
+                      <a:r>
+                        <a:rPr lang="pt-BR" sz="1100">
+                          <a:effectLst/>
+                        </a:rPr>
+                        <a:t>-</a:t>
+                      </a:r>
+                    </a:p>
+                  </a:txBody>
+                  <a:tcPr/>
+                </a:tc>
+                <a:tc>
+                  <a:txBody>
+                    <a:bodyPr/>
+                    <a:lstStyle/>
+                    <a:p>
+                      <a:r>
+                        <a:rPr lang="pt-BR" sz="1100">
+                          <a:effectLst/>
+                        </a:rPr>
+                        <a:t>-</a:t>
+                      </a:r>
+                    </a:p>
+                  </a:txBody>
+                  <a:tcPr/>
+                </a:tc>
+                <a:tc>
+                  <a:txBody>
+                    <a:bodyPr/>
+                    <a:lstStyle/>
+                    <a:p>
+                      <a:r>
+                        <a:rPr lang="pt-BR" sz="1100">
+                          <a:effectLst/>
+                        </a:rPr>
+                        <a:t>1</a:t>
+                      </a:r>
+                    </a:p>
+                  </a:txBody>
+                  <a:tcPr/>
+                </a:tc>
+                <a:tc>
+                  <a:txBody>
+                    <a:bodyPr/>
+                    <a:lstStyle/>
+                    <a:p>
+                      <a:r>
+                        <a:rPr lang="pt-BR" sz="1100">
+                          <a:effectLst/>
+                        </a:rPr>
+                        <a:t>2</a:t>
+                      </a:r>
+                    </a:p>
+                  </a:txBody>
+                  <a:tcPr/>
+                </a:tc>
+                <a:tc>
+                  <a:txBody>
+                    <a:bodyPr/>
+                    <a:lstStyle/>
+                    <a:p>
+                      <a:r>
+                        <a:rPr lang="pt-BR" sz="1100">
+                          <a:effectLst/>
+                        </a:rPr>
+                        <a:t>4</a:t>
+                      </a:r>
+                    </a:p>
+                  </a:txBody>
+                  <a:tcPr/>
+                </a:tc>
+                <a:extLst>
+                  <a:ext uri="{0D108BD9-81ED-4DB2-BD59-A6C34878D82A}">
+                    <a16:rowId xmlns:a16="http://schemas.microsoft.com/office/drawing/2014/main" val="232198667"/>
+                  </a:ext>
+                </a:extLst>
+              </a:tr>
+              <a:tr h="316498">
+                <a:tc>
+                  <a:txBody>
+                    <a:bodyPr/>
+                    <a:lstStyle/>
+                    <a:p>
+                      <a:pPr algn="l"/>
+                      <a:r>
+                        <a:rPr lang="pt-BR" sz="1100">
+                          <a:effectLst/>
+                        </a:rPr>
+                        <a:t>Restauração Extra</a:t>
+                      </a:r>
+                    </a:p>
+                  </a:txBody>
+                  <a:tcPr/>
+                </a:tc>
+                <a:tc>
+                  <a:txBody>
+                    <a:bodyPr/>
+                    <a:lstStyle/>
+                    <a:p>
+                      <a:r>
+                        <a:rPr lang="pt-BR" sz="1100">
+                          <a:effectLst/>
+                        </a:rPr>
+                        <a:t>R$ 250,00</a:t>
+                      </a:r>
+                    </a:p>
+                  </a:txBody>
+                  <a:tcPr/>
+                </a:tc>
+                <a:tc>
+                  <a:txBody>
+                    <a:bodyPr/>
+                    <a:lstStyle/>
+                    <a:p>
+                      <a:r>
+                        <a:rPr lang="pt-BR" sz="1100">
+                          <a:effectLst/>
+                        </a:rPr>
+                        <a:t>R$ 250,00</a:t>
+                      </a:r>
+                    </a:p>
+                  </a:txBody>
+                  <a:tcPr/>
+                </a:tc>
+                <a:tc>
+                  <a:txBody>
+                    <a:bodyPr/>
+                    <a:lstStyle/>
+                    <a:p>
+                      <a:r>
+                        <a:rPr lang="pt-BR" sz="1100">
+                          <a:effectLst/>
+                        </a:rPr>
+                        <a:t>R$ 250,00</a:t>
+                      </a:r>
+                    </a:p>
+                  </a:txBody>
+                  <a:tcPr/>
+                </a:tc>
+                <a:tc>
+                  <a:txBody>
+                    <a:bodyPr/>
+                    <a:lstStyle/>
+                    <a:p>
+                      <a:r>
+                        <a:rPr lang="pt-BR" sz="1100">
+                          <a:effectLst/>
+                        </a:rPr>
+                        <a:t>R$ 250,00</a:t>
+                      </a:r>
+                    </a:p>
+                  </a:txBody>
+                  <a:tcPr/>
+                </a:tc>
+                <a:tc>
+                  <a:txBody>
+                    <a:bodyPr/>
+                    <a:lstStyle/>
+                    <a:p>
+                      <a:r>
+                        <a:rPr lang="pt-BR" sz="1100">
+                          <a:effectLst/>
+                        </a:rPr>
+                        <a:t>R$ 200,00</a:t>
+                      </a:r>
+                    </a:p>
+                  </a:txBody>
+                  <a:tcPr/>
+                </a:tc>
+                <a:extLst>
+                  <a:ext uri="{0D108BD9-81ED-4DB2-BD59-A6C34878D82A}">
+                    <a16:rowId xmlns:a16="http://schemas.microsoft.com/office/drawing/2014/main" val="1422621507"/>
+                  </a:ext>
+                </a:extLst>
+              </a:tr>
+              <a:tr h="316498">
+                <a:tc>
+                  <a:txBody>
+                    <a:bodyPr/>
+                    <a:lstStyle/>
+                    <a:p>
+                      <a:pPr algn="l"/>
+                      <a:r>
+                        <a:rPr lang="pt-BR" sz="1100">
+                          <a:effectLst/>
+                        </a:rPr>
+                        <a:t>Hora Customização Mensal</a:t>
+                      </a:r>
+                    </a:p>
+                  </a:txBody>
+                  <a:tcPr/>
+                </a:tc>
+                <a:tc>
+                  <a:txBody>
+                    <a:bodyPr/>
+                    <a:lstStyle/>
+                    <a:p>
+                      <a:r>
+                        <a:rPr lang="pt-BR" sz="1100">
+                          <a:effectLst/>
+                        </a:rPr>
+                        <a:t>-</a:t>
+                      </a:r>
+                    </a:p>
+                  </a:txBody>
+                  <a:tcPr/>
+                </a:tc>
+                <a:tc>
+                  <a:txBody>
+                    <a:bodyPr/>
+                    <a:lstStyle/>
+                    <a:p>
+                      <a:r>
+                        <a:rPr lang="pt-BR" sz="1100">
+                          <a:effectLst/>
+                        </a:rPr>
+                        <a:t>-</a:t>
+                      </a:r>
+                    </a:p>
+                  </a:txBody>
+                  <a:tcPr/>
+                </a:tc>
+                <a:tc>
+                  <a:txBody>
+                    <a:bodyPr/>
+                    <a:lstStyle/>
+                    <a:p>
+                      <a:r>
+                        <a:rPr lang="pt-BR" sz="1100">
+                          <a:effectLst/>
+                        </a:rPr>
+                        <a:t>10</a:t>
+                      </a:r>
+                    </a:p>
+                  </a:txBody>
+                  <a:tcPr/>
+                </a:tc>
+                <a:tc>
+                  <a:txBody>
+                    <a:bodyPr/>
+                    <a:lstStyle/>
+                    <a:p>
+                      <a:r>
+                        <a:rPr lang="pt-BR" sz="1100">
+                          <a:effectLst/>
+                        </a:rPr>
+                        <a:t>15</a:t>
+                      </a:r>
+                    </a:p>
+                  </a:txBody>
+                  <a:tcPr/>
+                </a:tc>
+                <a:tc>
+                  <a:txBody>
+                    <a:bodyPr/>
+                    <a:lstStyle/>
+                    <a:p>
+                      <a:r>
+                        <a:rPr lang="pt-BR" sz="1100">
+                          <a:effectLst/>
+                        </a:rPr>
+                        <a:t>20</a:t>
+                      </a:r>
+                    </a:p>
+                  </a:txBody>
+                  <a:tcPr/>
+                </a:tc>
+                <a:extLst>
+                  <a:ext uri="{0D108BD9-81ED-4DB2-BD59-A6C34878D82A}">
+                    <a16:rowId xmlns:a16="http://schemas.microsoft.com/office/drawing/2014/main" val="2546349480"/>
+                  </a:ext>
+                </a:extLst>
+              </a:tr>
+              <a:tr h="316498">
+                <a:tc>
+                  <a:txBody>
+                    <a:bodyPr/>
+                    <a:lstStyle/>
+                    <a:p>
+                      <a:pPr algn="l"/>
+                      <a:r>
+                        <a:rPr lang="pt-BR" sz="1100">
+                          <a:effectLst/>
+                        </a:rPr>
+                        <a:t>Custo Hora Customização Extra</a:t>
+                      </a:r>
+                    </a:p>
+                  </a:txBody>
+                  <a:tcPr/>
+                </a:tc>
+                <a:tc>
+                  <a:txBody>
+                    <a:bodyPr/>
+                    <a:lstStyle/>
+                    <a:p>
+                      <a:r>
+                        <a:rPr lang="pt-BR" sz="1100">
+                          <a:effectLst/>
+                        </a:rPr>
+                        <a:t>R$ 250,00</a:t>
+                      </a:r>
+                    </a:p>
+                  </a:txBody>
+                  <a:tcPr/>
+                </a:tc>
+                <a:tc>
+                  <a:txBody>
+                    <a:bodyPr/>
+                    <a:lstStyle/>
+                    <a:p>
+                      <a:r>
+                        <a:rPr lang="pt-BR" sz="1100">
+                          <a:effectLst/>
+                        </a:rPr>
+                        <a:t>R$ 250,00</a:t>
+                      </a:r>
+                    </a:p>
+                  </a:txBody>
+                  <a:tcPr/>
+                </a:tc>
+                <a:tc>
+                  <a:txBody>
+                    <a:bodyPr/>
+                    <a:lstStyle/>
+                    <a:p>
+                      <a:r>
+                        <a:rPr lang="pt-BR" sz="1100">
+                          <a:effectLst/>
+                        </a:rPr>
+                        <a:t>R$ 250,00</a:t>
+                      </a:r>
+                    </a:p>
+                  </a:txBody>
+                  <a:tcPr/>
+                </a:tc>
+                <a:tc>
+                  <a:txBody>
+                    <a:bodyPr/>
+                    <a:lstStyle/>
+                    <a:p>
+                      <a:r>
+                        <a:rPr lang="pt-BR" sz="1100">
+                          <a:effectLst/>
+                        </a:rPr>
+                        <a:t>R$ 250,00</a:t>
+                      </a:r>
+                    </a:p>
+                  </a:txBody>
+                  <a:tcPr/>
+                </a:tc>
+                <a:tc>
+                  <a:txBody>
+                    <a:bodyPr/>
+                    <a:lstStyle/>
+                    <a:p>
+                      <a:r>
+                        <a:rPr lang="pt-BR" sz="1100">
+                          <a:effectLst/>
+                        </a:rPr>
+                        <a:t>R$ 200,00</a:t>
+                      </a:r>
+                    </a:p>
+                  </a:txBody>
+                  <a:tcPr/>
+                </a:tc>
+                <a:extLst>
+                  <a:ext uri="{0D108BD9-81ED-4DB2-BD59-A6C34878D82A}">
+                    <a16:rowId xmlns:a16="http://schemas.microsoft.com/office/drawing/2014/main" val="1808392930"/>
+                  </a:ext>
+                </a:extLst>
+              </a:tr>
+              <a:tr h="316498">
+                <a:tc>
+                  <a:txBody>
+                    <a:bodyPr/>
+                    <a:lstStyle/>
+                    <a:p>
+                      <a:pPr algn="l"/>
+                      <a:r>
+                        <a:rPr lang="pt-BR" sz="1100">
+                          <a:effectLst/>
+                        </a:rPr>
+                        <a:t>Espaço de Banco de Dados</a:t>
+                      </a:r>
+                    </a:p>
+                  </a:txBody>
+                  <a:tcPr/>
+                </a:tc>
+                <a:tc>
+                  <a:txBody>
+                    <a:bodyPr/>
+                    <a:lstStyle/>
+                    <a:p>
+                      <a:r>
+                        <a:rPr lang="pt-BR" sz="1100">
+                          <a:effectLst/>
+                        </a:rPr>
+                        <a:t>100 MB</a:t>
+                      </a:r>
+                    </a:p>
+                  </a:txBody>
+                  <a:tcPr/>
+                </a:tc>
+                <a:tc>
+                  <a:txBody>
+                    <a:bodyPr/>
+                    <a:lstStyle/>
+                    <a:p>
+                      <a:r>
+                        <a:rPr lang="pt-BR" sz="1100">
+                          <a:effectLst/>
+                        </a:rPr>
+                        <a:t>200 MB</a:t>
+                      </a:r>
+                    </a:p>
+                  </a:txBody>
+                  <a:tcPr/>
+                </a:tc>
+                <a:tc>
+                  <a:txBody>
+                    <a:bodyPr/>
+                    <a:lstStyle/>
+                    <a:p>
+                      <a:r>
+                        <a:rPr lang="pt-BR" sz="1100">
+                          <a:effectLst/>
+                        </a:rPr>
+                        <a:t>500 MB</a:t>
+                      </a:r>
+                    </a:p>
+                  </a:txBody>
+                  <a:tcPr/>
+                </a:tc>
+                <a:tc>
+                  <a:txBody>
+                    <a:bodyPr/>
+                    <a:lstStyle/>
+                    <a:p>
+                      <a:r>
+                        <a:rPr lang="pt-BR" sz="1100">
+                          <a:effectLst/>
+                        </a:rPr>
+                        <a:t>1 GB</a:t>
+                      </a:r>
+                    </a:p>
+                  </a:txBody>
+                  <a:tcPr/>
+                </a:tc>
+                <a:tc>
+                  <a:txBody>
+                    <a:bodyPr/>
+                    <a:lstStyle/>
+                    <a:p>
+                      <a:r>
+                        <a:rPr lang="pt-BR" sz="1100">
+                          <a:effectLst/>
+                        </a:rPr>
+                        <a:t>Variável</a:t>
+                      </a:r>
+                    </a:p>
+                  </a:txBody>
+                  <a:tcPr/>
+                </a:tc>
+                <a:extLst>
+                  <a:ext uri="{0D108BD9-81ED-4DB2-BD59-A6C34878D82A}">
+                    <a16:rowId xmlns:a16="http://schemas.microsoft.com/office/drawing/2014/main" val="3374031135"/>
+                  </a:ext>
+                </a:extLst>
+              </a:tr>
+              <a:tr h="316498">
+                <a:tc>
+                  <a:txBody>
+                    <a:bodyPr/>
+                    <a:lstStyle/>
+                    <a:p>
+                      <a:pPr algn="l"/>
+                      <a:r>
+                        <a:rPr lang="pt-BR" sz="1100">
+                          <a:effectLst/>
+                        </a:rPr>
+                        <a:t>Custo por GB Extra (MB)</a:t>
+                      </a:r>
+                    </a:p>
+                  </a:txBody>
+                  <a:tcPr/>
+                </a:tc>
+                <a:tc>
+                  <a:txBody>
+                    <a:bodyPr/>
+                    <a:lstStyle/>
+                    <a:p>
+                      <a:r>
+                        <a:rPr lang="pt-BR" sz="1100">
+                          <a:effectLst/>
+                        </a:rPr>
+                        <a:t>R$ 0,10</a:t>
+                      </a:r>
+                    </a:p>
+                  </a:txBody>
+                  <a:tcPr/>
+                </a:tc>
+                <a:tc>
+                  <a:txBody>
+                    <a:bodyPr/>
+                    <a:lstStyle/>
+                    <a:p>
+                      <a:r>
+                        <a:rPr lang="pt-BR" sz="1100">
+                          <a:effectLst/>
+                        </a:rPr>
+                        <a:t>R$ 0,10</a:t>
+                      </a:r>
+                    </a:p>
+                  </a:txBody>
+                  <a:tcPr/>
+                </a:tc>
+                <a:tc>
+                  <a:txBody>
+                    <a:bodyPr/>
+                    <a:lstStyle/>
+                    <a:p>
+                      <a:r>
+                        <a:rPr lang="pt-BR" sz="1100">
+                          <a:effectLst/>
+                        </a:rPr>
+                        <a:t>R$ 0,10</a:t>
+                      </a:r>
+                    </a:p>
+                  </a:txBody>
+                  <a:tcPr/>
+                </a:tc>
+                <a:tc>
+                  <a:txBody>
+                    <a:bodyPr/>
+                    <a:lstStyle/>
+                    <a:p>
+                      <a:r>
+                        <a:rPr lang="pt-BR" sz="1100">
+                          <a:effectLst/>
+                        </a:rPr>
+                        <a:t>R$ 0,10</a:t>
+                      </a:r>
+                    </a:p>
+                  </a:txBody>
+                  <a:tcPr/>
+                </a:tc>
+                <a:tc>
+                  <a:txBody>
+                    <a:bodyPr/>
+                    <a:lstStyle/>
+                    <a:p>
+                      <a:r>
+                        <a:rPr lang="pt-BR" sz="1100">
+                          <a:effectLst/>
+                        </a:rPr>
+                        <a:t>R$ 0,05</a:t>
+                      </a:r>
+                    </a:p>
+                  </a:txBody>
+                  <a:tcPr/>
+                </a:tc>
+                <a:extLst>
+                  <a:ext uri="{0D108BD9-81ED-4DB2-BD59-A6C34878D82A}">
+                    <a16:rowId xmlns:a16="http://schemas.microsoft.com/office/drawing/2014/main" val="3596195246"/>
+                  </a:ext>
+                </a:extLst>
+              </a:tr>
+              <a:tr h="316498">
+                <a:tc>
+                  <a:txBody>
+                    <a:bodyPr/>
+                    <a:lstStyle/>
+                    <a:p>
+                      <a:pPr algn="l"/>
+                      <a:r>
+                        <a:rPr lang="pt-BR" sz="1100">
+                          <a:effectLst/>
+                        </a:rPr>
+                        <a:t>Espaço de Armazenamento</a:t>
+                      </a:r>
+                    </a:p>
+                  </a:txBody>
+                  <a:tcPr/>
+                </a:tc>
+                <a:tc>
+                  <a:txBody>
+                    <a:bodyPr/>
+                    <a:lstStyle/>
+                    <a:p>
+                      <a:r>
+                        <a:rPr lang="pt-BR" sz="1100">
+                          <a:effectLst/>
+                        </a:rPr>
+                        <a:t>1 GB</a:t>
+                      </a:r>
+                    </a:p>
+                  </a:txBody>
+                  <a:tcPr/>
+                </a:tc>
+                <a:tc>
+                  <a:txBody>
+                    <a:bodyPr/>
+                    <a:lstStyle/>
+                    <a:p>
+                      <a:r>
+                        <a:rPr lang="pt-BR" sz="1100">
+                          <a:effectLst/>
+                        </a:rPr>
+                        <a:t>2 GB</a:t>
+                      </a:r>
+                    </a:p>
+                  </a:txBody>
+                  <a:tcPr/>
+                </a:tc>
+                <a:tc>
+                  <a:txBody>
+                    <a:bodyPr/>
+                    <a:lstStyle/>
+                    <a:p>
+                      <a:r>
+                        <a:rPr lang="pt-BR" sz="1100">
+                          <a:effectLst/>
+                        </a:rPr>
+                        <a:t>4 GB</a:t>
+                      </a:r>
+                    </a:p>
+                  </a:txBody>
+                  <a:tcPr/>
+                </a:tc>
+                <a:tc>
+                  <a:txBody>
+                    <a:bodyPr/>
+                    <a:lstStyle/>
+                    <a:p>
+                      <a:r>
+                        <a:rPr lang="pt-BR" sz="1100">
+                          <a:effectLst/>
+                        </a:rPr>
+                        <a:t>10 GB</a:t>
+                      </a:r>
+                    </a:p>
+                  </a:txBody>
+                  <a:tcPr/>
+                </a:tc>
+                <a:tc>
+                  <a:txBody>
+                    <a:bodyPr/>
+                    <a:lstStyle/>
+                    <a:p>
+                      <a:r>
+                        <a:rPr lang="pt-BR" sz="1100">
+                          <a:effectLst/>
+                        </a:rPr>
+                        <a:t>Variável</a:t>
+                      </a:r>
+                    </a:p>
+                  </a:txBody>
+                  <a:tcPr/>
+                </a:tc>
+                <a:extLst>
+                  <a:ext uri="{0D108BD9-81ED-4DB2-BD59-A6C34878D82A}">
+                    <a16:rowId xmlns:a16="http://schemas.microsoft.com/office/drawing/2014/main" val="3603876661"/>
+                  </a:ext>
+                </a:extLst>
+              </a:tr>
+              <a:tr h="316498">
+                <a:tc>
+                  <a:txBody>
+                    <a:bodyPr/>
+                    <a:lstStyle/>
+                    <a:p>
+                      <a:pPr algn="l"/>
+                      <a:r>
+                        <a:rPr lang="pt-BR" sz="1100">
+                          <a:effectLst/>
+                        </a:rPr>
+                        <a:t>Custo por GB Extra (Armazenamento)</a:t>
+                      </a:r>
+                    </a:p>
+                  </a:txBody>
+                  <a:tcPr/>
+                </a:tc>
+                <a:tc>
+                  <a:txBody>
+                    <a:bodyPr/>
+                    <a:lstStyle/>
+                    <a:p>
+                      <a:r>
+                        <a:rPr lang="pt-BR" sz="1100" dirty="0">
+                          <a:effectLst/>
+                        </a:rPr>
+                        <a:t>R$ 25,00</a:t>
+                      </a:r>
+                    </a:p>
+                  </a:txBody>
+                  <a:tcPr/>
+                </a:tc>
+                <a:tc>
+                  <a:txBody>
+                    <a:bodyPr/>
+                    <a:lstStyle/>
+                    <a:p>
+                      <a:r>
+                        <a:rPr lang="pt-BR" sz="1100">
+                          <a:effectLst/>
+                        </a:rPr>
+                        <a:t>R$ 25,00</a:t>
+                      </a:r>
+                    </a:p>
+                  </a:txBody>
+                  <a:tcPr/>
+                </a:tc>
+                <a:tc>
+                  <a:txBody>
+                    <a:bodyPr/>
+                    <a:lstStyle/>
+                    <a:p>
+                      <a:r>
+                        <a:rPr lang="pt-BR" sz="1100">
+                          <a:effectLst/>
+                        </a:rPr>
+                        <a:t>R$ 25,00</a:t>
+                      </a:r>
+                    </a:p>
+                  </a:txBody>
+                  <a:tcPr/>
+                </a:tc>
+                <a:tc>
+                  <a:txBody>
+                    <a:bodyPr/>
+                    <a:lstStyle/>
+                    <a:p>
+                      <a:r>
+                        <a:rPr lang="pt-BR" sz="1100">
+                          <a:effectLst/>
+                        </a:rPr>
+                        <a:t>R$ 25,00</a:t>
+                      </a:r>
+                    </a:p>
+                  </a:txBody>
+                  <a:tcPr/>
+                </a:tc>
+                <a:tc>
+                  <a:txBody>
+                    <a:bodyPr/>
+                    <a:lstStyle/>
+                    <a:p>
+                      <a:r>
+                        <a:rPr lang="pt-BR" sz="1100" dirty="0">
+                          <a:effectLst/>
+                        </a:rPr>
+                        <a:t>R$ 20,00</a:t>
+                      </a:r>
+                    </a:p>
+                  </a:txBody>
+                  <a:tcPr/>
+                </a:tc>
+                <a:extLst>
+                  <a:ext uri="{0D108BD9-81ED-4DB2-BD59-A6C34878D82A}">
+                    <a16:rowId xmlns:a16="http://schemas.microsoft.com/office/drawing/2014/main" val="691298949"/>
+                  </a:ext>
+                </a:extLst>
+              </a:tr>
+            </a:tbl>
+          </a:graphicData>
+        </a:graphic>
+      </p:graphicFrame>
     </p:spTree>
     <p:extLst>
       <p:ext uri="{BB962C8B-B14F-4D97-AF65-F5344CB8AC3E}">
-        <p14:creationId xmlns:p14="http://schemas.microsoft.com/office/powerpoint/2010/main" val="1442264009"/>
+        <p14:creationId xmlns:p14="http://schemas.microsoft.com/office/powerpoint/2010/main" val="247200251"/>
       </p:ext>
     </p:extLst>
   </p:cSld>
@@ -7539,8 +8827,8 @@
         </p:nvSpPr>
         <p:spPr>
           <a:xfrm>
-            <a:off x="4772567" y="339536"/>
-            <a:ext cx="2646878" cy="923330"/>
+            <a:off x="3535181" y="339536"/>
+            <a:ext cx="5121658" cy="923330"/>
           </a:xfrm>
           <a:prstGeom prst="rect">
             <a:avLst/>
@@ -7578,53 +8866,17 @@
                 <a:latin typeface="Arial" panose="020B0604020202020204" pitchFamily="34" charset="0"/>
                 <a:cs typeface="Arial" panose="020B0604020202020204" pitchFamily="34" charset="0"/>
               </a:rPr>
-              <a:t>PREÇO</a:t>
-            </a:r>
-          </a:p>
-        </p:txBody>
-      </p:sp>
-      <p:sp>
-        <p:nvSpPr>
-          <p:cNvPr id="9" name="CaixaDeTexto 8">
-            <a:extLst>
-              <a:ext uri="{FF2B5EF4-FFF2-40B4-BE49-F238E27FC236}">
-                <a16:creationId xmlns:a16="http://schemas.microsoft.com/office/drawing/2014/main" id="{25CE7629-D530-CD11-2F79-8955E13FE95A}"/>
-              </a:ext>
-            </a:extLst>
-          </p:cNvPr>
-          <p:cNvSpPr txBox="1"/>
-          <p:nvPr/>
-        </p:nvSpPr>
-        <p:spPr>
-          <a:xfrm>
-            <a:off x="1118858" y="1955001"/>
-            <a:ext cx="7694667" cy="646331"/>
-          </a:xfrm>
-          <a:prstGeom prst="rect">
-            <a:avLst/>
-          </a:prstGeom>
-          <a:noFill/>
-        </p:spPr>
-        <p:txBody>
-          <a:bodyPr wrap="square" rtlCol="0">
-            <a:spAutoFit/>
-          </a:bodyPr>
-          <a:lstStyle/>
-          <a:p>
-            <a:pPr algn="just"/>
-            <a:r>
-              <a:rPr lang="pt-BR" dirty="0"/>
-              <a:t>Será concedido desconto de acordo com a quantidade de contas cadastrada, baseado na tabela abaixo:</a:t>
+              <a:t>PLATAFORMA</a:t>
             </a:r>
           </a:p>
         </p:txBody>
       </p:sp>
       <p:pic>
         <p:nvPicPr>
-          <p:cNvPr id="4" name="Imagem 3" descr="Uma imagem contendo mesa&#10;&#10;Descrição gerada automaticamente">
-            <a:extLst>
-              <a:ext uri="{FF2B5EF4-FFF2-40B4-BE49-F238E27FC236}">
-                <a16:creationId xmlns:a16="http://schemas.microsoft.com/office/drawing/2014/main" id="{E076DDCB-2FB9-D713-0DF1-44077923903A}"/>
+          <p:cNvPr id="12" name="Imagem 11">
+            <a:extLst>
+              <a:ext uri="{FF2B5EF4-FFF2-40B4-BE49-F238E27FC236}">
+                <a16:creationId xmlns:a16="http://schemas.microsoft.com/office/drawing/2014/main" id="{C44E19F2-F62C-BF5B-4DA2-54062A276CE4}"/>
               </a:ext>
             </a:extLst>
           </p:cNvPr>
@@ -7634,338 +8886,81 @@
           <p:nvPr/>
         </p:nvPicPr>
         <p:blipFill>
-          <a:blip r:embed="rId3">
-            <a:extLst>
-              <a:ext uri="{28A0092B-C50C-407E-A947-70E740481C1C}">
-                <a14:useLocalDpi xmlns:a14="http://schemas.microsoft.com/office/drawing/2010/main" val="0"/>
-              </a:ext>
-              <a:ext uri="{837473B0-CC2E-450A-ABE3-18F120FF3D39}">
-                <a1611:picAttrSrcUrl xmlns:a1611="http://schemas.microsoft.com/office/drawing/2016/11/main" r:id="rId4"/>
-              </a:ext>
-            </a:extLst>
-          </a:blip>
+          <a:blip r:embed="rId3"/>
           <a:stretch>
             <a:fillRect/>
           </a:stretch>
         </p:blipFill>
         <p:spPr>
           <a:xfrm>
-            <a:off x="9740377" y="2533480"/>
-            <a:ext cx="2162586" cy="1619852"/>
+            <a:off x="3605401" y="3605399"/>
+            <a:ext cx="6183086" cy="2869083"/>
           </a:xfrm>
           <a:prstGeom prst="rect">
             <a:avLst/>
           </a:prstGeom>
+          <a:ln>
+            <a:solidFill>
+              <a:schemeClr val="tx1"/>
+            </a:solidFill>
+          </a:ln>
+          <a:effectLst>
+            <a:outerShdw blurRad="292100" dist="139700" dir="2700000" algn="tl" rotWithShape="0">
+              <a:srgbClr val="333333">
+                <a:alpha val="65000"/>
+              </a:srgbClr>
+            </a:outerShdw>
+          </a:effectLst>
         </p:spPr>
       </p:pic>
-      <p:graphicFrame>
-        <p:nvGraphicFramePr>
-          <p:cNvPr id="13" name="Tabela 12">
-            <a:extLst>
-              <a:ext uri="{FF2B5EF4-FFF2-40B4-BE49-F238E27FC236}">
-                <a16:creationId xmlns:a16="http://schemas.microsoft.com/office/drawing/2014/main" id="{FB24CA0A-17E8-13C0-9C54-719CA0072499}"/>
-              </a:ext>
-            </a:extLst>
-          </p:cNvPr>
-          <p:cNvGraphicFramePr>
-            <a:graphicFrameLocks noGrp="1"/>
-          </p:cNvGraphicFramePr>
-          <p:nvPr>
-            <p:extLst>
-              <p:ext uri="{D42A27DB-BD31-4B8C-83A1-F6EECF244321}">
-                <p14:modId xmlns:p14="http://schemas.microsoft.com/office/powerpoint/2010/main" val="3423331333"/>
-              </p:ext>
-            </p:extLst>
-          </p:nvPr>
-        </p:nvGraphicFramePr>
-        <p:xfrm>
-          <a:off x="1152525" y="2972327"/>
-          <a:ext cx="8127999" cy="1854200"/>
-        </p:xfrm>
-        <a:graphic>
-          <a:graphicData uri="http://schemas.openxmlformats.org/drawingml/2006/table">
-            <a:tbl>
-              <a:tblPr firstRow="1" bandRow="1">
-                <a:tableStyleId>{5C22544A-7EE6-4342-B048-85BDC9FD1C3A}</a:tableStyleId>
-              </a:tblPr>
-              <a:tblGrid>
-                <a:gridCol w="2709333">
-                  <a:extLst>
-                    <a:ext uri="{9D8B030D-6E8A-4147-A177-3AD203B41FA5}">
-                      <a16:colId xmlns:a16="http://schemas.microsoft.com/office/drawing/2014/main" val="1508521748"/>
-                    </a:ext>
-                  </a:extLst>
-                </a:gridCol>
-                <a:gridCol w="2709333">
-                  <a:extLst>
-                    <a:ext uri="{9D8B030D-6E8A-4147-A177-3AD203B41FA5}">
-                      <a16:colId xmlns:a16="http://schemas.microsoft.com/office/drawing/2014/main" val="2237778622"/>
-                    </a:ext>
-                  </a:extLst>
-                </a:gridCol>
-                <a:gridCol w="2709333">
-                  <a:extLst>
-                    <a:ext uri="{9D8B030D-6E8A-4147-A177-3AD203B41FA5}">
-                      <a16:colId xmlns:a16="http://schemas.microsoft.com/office/drawing/2014/main" val="395527618"/>
-                    </a:ext>
-                  </a:extLst>
-                </a:gridCol>
-              </a:tblGrid>
-              <a:tr h="370840">
-                <a:tc>
-                  <a:txBody>
-                    <a:bodyPr/>
-                    <a:lstStyle/>
-                    <a:p>
-                      <a:pPr algn="ctr"/>
-                      <a:r>
-                        <a:rPr lang="pt-BR" dirty="0"/>
-                        <a:t>Qtde de Contas</a:t>
-                      </a:r>
-                    </a:p>
-                  </a:txBody>
-                  <a:tcPr/>
-                </a:tc>
-                <a:tc>
-                  <a:txBody>
-                    <a:bodyPr/>
-                    <a:lstStyle/>
-                    <a:p>
-                      <a:pPr algn="ctr"/>
-                      <a:r>
-                        <a:rPr lang="pt-BR" dirty="0"/>
-                        <a:t>Desconto</a:t>
-                      </a:r>
-                    </a:p>
-                  </a:txBody>
-                  <a:tcPr/>
-                </a:tc>
-                <a:tc>
-                  <a:txBody>
-                    <a:bodyPr/>
-                    <a:lstStyle/>
-                    <a:p>
-                      <a:pPr algn="ctr"/>
-                      <a:r>
-                        <a:rPr lang="pt-BR" dirty="0"/>
-                        <a:t>Custo por conta</a:t>
-                      </a:r>
-                    </a:p>
-                  </a:txBody>
-                  <a:tcPr/>
-                </a:tc>
-                <a:extLst>
-                  <a:ext uri="{0D108BD9-81ED-4DB2-BD59-A6C34878D82A}">
-                    <a16:rowId xmlns:a16="http://schemas.microsoft.com/office/drawing/2014/main" val="1452779566"/>
-                  </a:ext>
-                </a:extLst>
-              </a:tr>
-              <a:tr h="370840">
-                <a:tc>
-                  <a:txBody>
-                    <a:bodyPr/>
-                    <a:lstStyle/>
-                    <a:p>
-                      <a:pPr algn="ctr"/>
-                      <a:r>
-                        <a:rPr lang="pt-BR" dirty="0"/>
-                        <a:t>1 á 200</a:t>
-                      </a:r>
-                    </a:p>
-                  </a:txBody>
-                  <a:tcPr/>
-                </a:tc>
-                <a:tc>
-                  <a:txBody>
-                    <a:bodyPr/>
-                    <a:lstStyle/>
-                    <a:p>
-                      <a:pPr algn="ctr"/>
-                      <a:r>
-                        <a:rPr lang="pt-BR" dirty="0"/>
-                        <a:t>0%</a:t>
-                      </a:r>
-                    </a:p>
-                  </a:txBody>
-                  <a:tcPr/>
-                </a:tc>
-                <a:tc>
-                  <a:txBody>
-                    <a:bodyPr/>
-                    <a:lstStyle/>
-                    <a:p>
-                      <a:pPr algn="ctr"/>
-                      <a:r>
-                        <a:rPr lang="pt-BR" dirty="0"/>
-                        <a:t>17,50</a:t>
-                      </a:r>
-                    </a:p>
-                  </a:txBody>
-                  <a:tcPr/>
-                </a:tc>
-                <a:extLst>
-                  <a:ext uri="{0D108BD9-81ED-4DB2-BD59-A6C34878D82A}">
-                    <a16:rowId xmlns:a16="http://schemas.microsoft.com/office/drawing/2014/main" val="1859304133"/>
-                  </a:ext>
-                </a:extLst>
-              </a:tr>
-              <a:tr h="370840">
-                <a:tc>
-                  <a:txBody>
-                    <a:bodyPr/>
-                    <a:lstStyle/>
-                    <a:p>
-                      <a:pPr algn="ctr"/>
-                      <a:r>
-                        <a:rPr lang="pt-BR" dirty="0"/>
-                        <a:t>201 à 300</a:t>
-                      </a:r>
-                    </a:p>
-                  </a:txBody>
-                  <a:tcPr/>
-                </a:tc>
-                <a:tc>
-                  <a:txBody>
-                    <a:bodyPr/>
-                    <a:lstStyle/>
-                    <a:p>
-                      <a:pPr algn="ctr"/>
-                      <a:r>
-                        <a:rPr lang="pt-BR" dirty="0"/>
-                        <a:t>5%</a:t>
-                      </a:r>
-                    </a:p>
-                  </a:txBody>
-                  <a:tcPr/>
-                </a:tc>
-                <a:tc>
-                  <a:txBody>
-                    <a:bodyPr/>
-                    <a:lstStyle/>
-                    <a:p>
-                      <a:pPr algn="ctr"/>
-                      <a:r>
-                        <a:rPr lang="pt-BR" dirty="0"/>
-                        <a:t>16,63</a:t>
-                      </a:r>
-                    </a:p>
-                  </a:txBody>
-                  <a:tcPr/>
-                </a:tc>
-                <a:extLst>
-                  <a:ext uri="{0D108BD9-81ED-4DB2-BD59-A6C34878D82A}">
-                    <a16:rowId xmlns:a16="http://schemas.microsoft.com/office/drawing/2014/main" val="3400019698"/>
-                  </a:ext>
-                </a:extLst>
-              </a:tr>
-              <a:tr h="370840">
-                <a:tc>
-                  <a:txBody>
-                    <a:bodyPr/>
-                    <a:lstStyle/>
-                    <a:p>
-                      <a:pPr algn="ctr"/>
-                      <a:r>
-                        <a:rPr lang="pt-BR" dirty="0"/>
-                        <a:t>301 à 400</a:t>
-                      </a:r>
-                    </a:p>
-                  </a:txBody>
-                  <a:tcPr/>
-                </a:tc>
-                <a:tc>
-                  <a:txBody>
-                    <a:bodyPr/>
-                    <a:lstStyle/>
-                    <a:p>
-                      <a:pPr algn="ctr"/>
-                      <a:r>
-                        <a:rPr lang="pt-BR" dirty="0"/>
-                        <a:t>10%</a:t>
-                      </a:r>
-                    </a:p>
-                  </a:txBody>
-                  <a:tcPr/>
-                </a:tc>
-                <a:tc>
-                  <a:txBody>
-                    <a:bodyPr/>
-                    <a:lstStyle/>
-                    <a:p>
-                      <a:pPr algn="ctr"/>
-                      <a:r>
-                        <a:rPr lang="pt-BR" dirty="0"/>
-                        <a:t>15,75</a:t>
-                      </a:r>
-                    </a:p>
-                  </a:txBody>
-                  <a:tcPr/>
-                </a:tc>
-                <a:extLst>
-                  <a:ext uri="{0D108BD9-81ED-4DB2-BD59-A6C34878D82A}">
-                    <a16:rowId xmlns:a16="http://schemas.microsoft.com/office/drawing/2014/main" val="3039149422"/>
-                  </a:ext>
-                </a:extLst>
-              </a:tr>
-              <a:tr h="370840">
-                <a:tc>
-                  <a:txBody>
-                    <a:bodyPr/>
-                    <a:lstStyle/>
-                    <a:p>
-                      <a:pPr algn="ctr"/>
-                      <a:r>
-                        <a:rPr lang="pt-BR" dirty="0"/>
-                        <a:t>401 ou mais</a:t>
-                      </a:r>
-                    </a:p>
-                  </a:txBody>
-                  <a:tcPr/>
-                </a:tc>
-                <a:tc>
-                  <a:txBody>
-                    <a:bodyPr/>
-                    <a:lstStyle/>
-                    <a:p>
-                      <a:pPr algn="ctr"/>
-                      <a:r>
-                        <a:rPr lang="pt-BR" dirty="0"/>
-                        <a:t>15%</a:t>
-                      </a:r>
-                    </a:p>
-                  </a:txBody>
-                  <a:tcPr/>
-                </a:tc>
-                <a:tc>
-                  <a:txBody>
-                    <a:bodyPr/>
-                    <a:lstStyle/>
-                    <a:p>
-                      <a:pPr algn="ctr"/>
-                      <a:r>
-                        <a:rPr lang="pt-BR" dirty="0"/>
-                        <a:t>14,88</a:t>
-                      </a:r>
-                    </a:p>
-                  </a:txBody>
-                  <a:tcPr/>
-                </a:tc>
-                <a:extLst>
-                  <a:ext uri="{0D108BD9-81ED-4DB2-BD59-A6C34878D82A}">
-                    <a16:rowId xmlns:a16="http://schemas.microsoft.com/office/drawing/2014/main" val="112990418"/>
-                  </a:ext>
-                </a:extLst>
-              </a:tr>
-            </a:tbl>
-          </a:graphicData>
-        </a:graphic>
-      </p:graphicFrame>
       <p:pic>
         <p:nvPicPr>
-          <p:cNvPr id="2" name="Imagem 1">
-            <a:extLst>
-              <a:ext uri="{FF2B5EF4-FFF2-40B4-BE49-F238E27FC236}">
-                <a16:creationId xmlns:a16="http://schemas.microsoft.com/office/drawing/2014/main" id="{0DC76A87-4FFD-E4DC-AC24-4CB886EAA16A}"/>
+          <p:cNvPr id="6" name="Imagem 5">
+            <a:extLst>
+              <a:ext uri="{FF2B5EF4-FFF2-40B4-BE49-F238E27FC236}">
+                <a16:creationId xmlns:a16="http://schemas.microsoft.com/office/drawing/2014/main" id="{3A2B2E24-5FDF-7C23-5A0A-644650C8E7CA}"/>
+              </a:ext>
+            </a:extLst>
+          </p:cNvPr>
+          <p:cNvPicPr>
+            <a:picLocks noChangeAspect="1"/>
+          </p:cNvPicPr>
+          <p:nvPr/>
+        </p:nvPicPr>
+        <p:blipFill>
+          <a:blip r:embed="rId4"/>
+          <a:stretch>
+            <a:fillRect/>
+          </a:stretch>
+        </p:blipFill>
+        <p:spPr>
+          <a:xfrm>
+            <a:off x="4838334" y="2028839"/>
+            <a:ext cx="7153469" cy="1731102"/>
+          </a:xfrm>
+          <a:prstGeom prst="rect">
+            <a:avLst/>
+          </a:prstGeom>
+          <a:ln>
+            <a:solidFill>
+              <a:schemeClr val="tx1"/>
+            </a:solidFill>
+          </a:ln>
+          <a:effectLst>
+            <a:outerShdw blurRad="292100" dist="139700" dir="2700000" algn="tl" rotWithShape="0">
+              <a:srgbClr val="333333">
+                <a:alpha val="65000"/>
+              </a:srgbClr>
+            </a:outerShdw>
+          </a:effectLst>
+        </p:spPr>
+      </p:pic>
+      <p:pic>
+        <p:nvPicPr>
+          <p:cNvPr id="3" name="Imagem 2">
+            <a:extLst>
+              <a:ext uri="{FF2B5EF4-FFF2-40B4-BE49-F238E27FC236}">
+                <a16:creationId xmlns:a16="http://schemas.microsoft.com/office/drawing/2014/main" id="{00ABA3FC-457B-9ECA-E814-688120D6F71B}"/>
               </a:ext>
             </a:extLst>
           </p:cNvPr>
@@ -7982,6 +8977,46 @@
         </p:blipFill>
         <p:spPr>
           <a:xfrm>
+            <a:off x="287783" y="1388303"/>
+            <a:ext cx="6635236" cy="2103684"/>
+          </a:xfrm>
+          <a:prstGeom prst="rect">
+            <a:avLst/>
+          </a:prstGeom>
+          <a:ln>
+            <a:noFill/>
+          </a:ln>
+          <a:effectLst>
+            <a:outerShdw blurRad="190500" algn="tl" rotWithShape="0">
+              <a:srgbClr val="000000">
+                <a:alpha val="70000"/>
+              </a:srgbClr>
+            </a:outerShdw>
+          </a:effectLst>
+        </p:spPr>
+      </p:pic>
+      <p:pic>
+        <p:nvPicPr>
+          <p:cNvPr id="2" name="Imagem 1">
+            <a:extLst>
+              <a:ext uri="{FF2B5EF4-FFF2-40B4-BE49-F238E27FC236}">
+                <a16:creationId xmlns:a16="http://schemas.microsoft.com/office/drawing/2014/main" id="{7653DA54-8239-95AC-B608-484411795B31}"/>
+              </a:ext>
+            </a:extLst>
+          </p:cNvPr>
+          <p:cNvPicPr>
+            <a:picLocks noChangeAspect="1"/>
+          </p:cNvPicPr>
+          <p:nvPr/>
+        </p:nvPicPr>
+        <p:blipFill>
+          <a:blip r:embed="rId6"/>
+          <a:stretch>
+            <a:fillRect/>
+          </a:stretch>
+        </p:blipFill>
+        <p:spPr>
+          <a:xfrm>
             <a:off x="11221328" y="6008914"/>
             <a:ext cx="941802" cy="849086"/>
           </a:xfrm>
@@ -7993,7 +9028,7 @@
     </p:spTree>
     <p:extLst>
       <p:ext uri="{BB962C8B-B14F-4D97-AF65-F5344CB8AC3E}">
-        <p14:creationId xmlns:p14="http://schemas.microsoft.com/office/powerpoint/2010/main" val="247200251"/>
+        <p14:creationId xmlns:p14="http://schemas.microsoft.com/office/powerpoint/2010/main" val="3807411779"/>
       </p:ext>
     </p:extLst>
   </p:cSld>
@@ -8012,6 +9047,817 @@
 </file>
 
 <file path=ppt/slides/slide15.xml><?xml version="1.0" encoding="utf-8"?>
+<p:sld xmlns:a="http://schemas.openxmlformats.org/drawingml/2006/main" xmlns:r="http://schemas.openxmlformats.org/officeDocument/2006/relationships" xmlns:p="http://schemas.openxmlformats.org/presentationml/2006/main">
+  <p:cSld>
+    <p:bg>
+      <p:bgPr>
+        <a:solidFill>
+          <a:schemeClr val="bg1"/>
+        </a:solidFill>
+        <a:effectLst/>
+      </p:bgPr>
+    </p:bg>
+    <p:spTree>
+      <p:nvGrpSpPr>
+        <p:cNvPr id="1" name=""/>
+        <p:cNvGrpSpPr/>
+        <p:nvPr/>
+      </p:nvGrpSpPr>
+      <p:grpSpPr>
+        <a:xfrm>
+          <a:off x="0" y="0"/>
+          <a:ext cx="0" cy="0"/>
+          <a:chOff x="0" y="0"/>
+          <a:chExt cx="0" cy="0"/>
+        </a:xfrm>
+      </p:grpSpPr>
+      <p:sp>
+        <p:nvSpPr>
+          <p:cNvPr id="17" name="Rectangle 9">
+            <a:extLst>
+              <a:ext uri="{FF2B5EF4-FFF2-40B4-BE49-F238E27FC236}">
+                <a16:creationId xmlns:a16="http://schemas.microsoft.com/office/drawing/2014/main" id="{F3060C83-F051-4F0E-ABAD-AA0DFC48B218}"/>
+              </a:ext>
+              <a:ext uri="{C183D7F6-B498-43B3-948B-1728B52AA6E4}">
+                <adec:decorative xmlns:adec="http://schemas.microsoft.com/office/drawing/2017/decorative" val="1"/>
+              </a:ext>
+            </a:extLst>
+          </p:cNvPr>
+          <p:cNvSpPr>
+            <a:spLocks noGrp="1" noRot="1" noChangeAspect="1" noMove="1" noResize="1" noEditPoints="1" noAdjustHandles="1" noChangeArrowheads="1" noChangeShapeType="1" noTextEdit="1"/>
+          </p:cNvSpPr>
+          <p:nvPr>
+            <p:extLst>
+              <p:ext uri="{386F3935-93C4-4BCD-93E2-E3B085C9AB24}">
+                <p16:designElem xmlns:p16="http://schemas.microsoft.com/office/powerpoint/2015/main" val="1"/>
+              </p:ext>
+            </p:extLst>
+          </p:nvPr>
+        </p:nvSpPr>
+        <p:spPr>
+          <a:xfrm>
+            <a:off x="0" y="0"/>
+            <a:ext cx="12192000" cy="6858000"/>
+          </a:xfrm>
+          <a:prstGeom prst="rect">
+            <a:avLst/>
+          </a:prstGeom>
+          <a:solidFill>
+            <a:schemeClr val="bg1"/>
+          </a:solidFill>
+          <a:ln>
+            <a:noFill/>
+          </a:ln>
+        </p:spPr>
+        <p:style>
+          <a:lnRef idx="2">
+            <a:schemeClr val="accent1">
+              <a:shade val="50000"/>
+            </a:schemeClr>
+          </a:lnRef>
+          <a:fillRef idx="1">
+            <a:schemeClr val="accent1"/>
+          </a:fillRef>
+          <a:effectRef idx="0">
+            <a:schemeClr val="accent1"/>
+          </a:effectRef>
+          <a:fontRef idx="minor">
+            <a:schemeClr val="lt1"/>
+          </a:fontRef>
+        </p:style>
+        <p:txBody>
+          <a:bodyPr rtlCol="0" anchor="ctr"/>
+          <a:lstStyle/>
+          <a:p>
+            <a:pPr algn="ctr"/>
+            <a:endParaRPr lang="en-US" dirty="0"/>
+          </a:p>
+        </p:txBody>
+      </p:sp>
+      <p:sp>
+        <p:nvSpPr>
+          <p:cNvPr id="19" name="Freeform: Shape 11">
+            <a:extLst>
+              <a:ext uri="{FF2B5EF4-FFF2-40B4-BE49-F238E27FC236}">
+                <a16:creationId xmlns:a16="http://schemas.microsoft.com/office/drawing/2014/main" id="{83C98ABE-055B-441F-B07E-44F97F083C39}"/>
+              </a:ext>
+              <a:ext uri="{C183D7F6-B498-43B3-948B-1728B52AA6E4}">
+                <adec:decorative xmlns:adec="http://schemas.microsoft.com/office/drawing/2017/decorative" val="1"/>
+              </a:ext>
+            </a:extLst>
+          </p:cNvPr>
+          <p:cNvSpPr>
+            <a:spLocks noGrp="1" noRot="1" noChangeAspect="1" noMove="1" noResize="1" noEditPoints="1" noAdjustHandles="1" noChangeArrowheads="1" noChangeShapeType="1" noTextEdit="1"/>
+          </p:cNvSpPr>
+          <p:nvPr>
+            <p:extLst>
+              <p:ext uri="{386F3935-93C4-4BCD-93E2-E3B085C9AB24}">
+                <p16:designElem xmlns:p16="http://schemas.microsoft.com/office/powerpoint/2015/main" val="1"/>
+              </p:ext>
+            </p:extLst>
+          </p:nvPr>
+        </p:nvSpPr>
+        <p:spPr>
+          <a:xfrm rot="18900000" flipH="1">
+            <a:off x="-376156" y="-253670"/>
+            <a:ext cx="1827638" cy="1376989"/>
+          </a:xfrm>
+          <a:custGeom>
+            <a:avLst/>
+            <a:gdLst>
+              <a:gd name="connsiteX0" fmla="*/ 0 w 1827638"/>
+              <a:gd name="connsiteY0" fmla="*/ 987379 h 1376989"/>
+              <a:gd name="connsiteX1" fmla="*/ 987379 w 1827638"/>
+              <a:gd name="connsiteY1" fmla="*/ 0 h 1376989"/>
+              <a:gd name="connsiteX2" fmla="*/ 1827638 w 1827638"/>
+              <a:gd name="connsiteY2" fmla="*/ 840260 h 1376989"/>
+              <a:gd name="connsiteX3" fmla="*/ 1827638 w 1827638"/>
+              <a:gd name="connsiteY3" fmla="*/ 1376989 h 1376989"/>
+              <a:gd name="connsiteX4" fmla="*/ 0 w 1827638"/>
+              <a:gd name="connsiteY4" fmla="*/ 1376989 h 1376989"/>
+            </a:gdLst>
+            <a:ahLst/>
+            <a:cxnLst>
+              <a:cxn ang="0">
+                <a:pos x="connsiteX0" y="connsiteY0"/>
+              </a:cxn>
+              <a:cxn ang="0">
+                <a:pos x="connsiteX1" y="connsiteY1"/>
+              </a:cxn>
+              <a:cxn ang="0">
+                <a:pos x="connsiteX2" y="connsiteY2"/>
+              </a:cxn>
+              <a:cxn ang="0">
+                <a:pos x="connsiteX3" y="connsiteY3"/>
+              </a:cxn>
+              <a:cxn ang="0">
+                <a:pos x="connsiteX4" y="connsiteY4"/>
+              </a:cxn>
+            </a:cxnLst>
+            <a:rect l="l" t="t" r="r" b="b"/>
+            <a:pathLst>
+              <a:path w="1827638" h="1376989">
+                <a:moveTo>
+                  <a:pt x="0" y="987379"/>
+                </a:moveTo>
+                <a:lnTo>
+                  <a:pt x="987379" y="0"/>
+                </a:lnTo>
+                <a:lnTo>
+                  <a:pt x="1827638" y="840260"/>
+                </a:lnTo>
+                <a:lnTo>
+                  <a:pt x="1827638" y="1376989"/>
+                </a:lnTo>
+                <a:lnTo>
+                  <a:pt x="0" y="1376989"/>
+                </a:lnTo>
+                <a:close/>
+              </a:path>
+            </a:pathLst>
+          </a:custGeom>
+          <a:solidFill>
+            <a:schemeClr val="accent1">
+              <a:alpha val="30000"/>
+            </a:schemeClr>
+          </a:solidFill>
+          <a:ln>
+            <a:noFill/>
+          </a:ln>
+        </p:spPr>
+        <p:style>
+          <a:lnRef idx="2">
+            <a:schemeClr val="accent1">
+              <a:shade val="50000"/>
+            </a:schemeClr>
+          </a:lnRef>
+          <a:fillRef idx="1">
+            <a:schemeClr val="accent1"/>
+          </a:fillRef>
+          <a:effectRef idx="0">
+            <a:schemeClr val="accent1"/>
+          </a:effectRef>
+          <a:fontRef idx="minor">
+            <a:schemeClr val="lt1"/>
+          </a:fontRef>
+        </p:style>
+        <p:txBody>
+          <a:bodyPr rtlCol="0" anchor="ctr"/>
+          <a:lstStyle/>
+          <a:p>
+            <a:pPr algn="ctr"/>
+            <a:endParaRPr lang="en-US" dirty="0"/>
+          </a:p>
+        </p:txBody>
+      </p:sp>
+      <p:sp>
+        <p:nvSpPr>
+          <p:cNvPr id="21" name="Rectangle 13">
+            <a:extLst>
+              <a:ext uri="{FF2B5EF4-FFF2-40B4-BE49-F238E27FC236}">
+                <a16:creationId xmlns:a16="http://schemas.microsoft.com/office/drawing/2014/main" id="{29FDB030-9B49-4CED-8CCD-4D99382388AC}"/>
+              </a:ext>
+              <a:ext uri="{C183D7F6-B498-43B3-948B-1728B52AA6E4}">
+                <adec:decorative xmlns:adec="http://schemas.microsoft.com/office/drawing/2017/decorative" val="1"/>
+              </a:ext>
+            </a:extLst>
+          </p:cNvPr>
+          <p:cNvSpPr>
+            <a:spLocks noGrp="1" noRot="1" noChangeAspect="1" noMove="1" noResize="1" noEditPoints="1" noAdjustHandles="1" noChangeArrowheads="1" noChangeShapeType="1" noTextEdit="1"/>
+          </p:cNvSpPr>
+          <p:nvPr>
+            <p:extLst>
+              <p:ext uri="{386F3935-93C4-4BCD-93E2-E3B085C9AB24}">
+                <p16:designElem xmlns:p16="http://schemas.microsoft.com/office/powerpoint/2015/main" val="1"/>
+              </p:ext>
+            </p:extLst>
+          </p:nvPr>
+        </p:nvSpPr>
+        <p:spPr>
+          <a:xfrm rot="18900000" flipH="1">
+            <a:off x="891641" y="422146"/>
+            <a:ext cx="645368" cy="645368"/>
+          </a:xfrm>
+          <a:prstGeom prst="rect">
+            <a:avLst/>
+          </a:prstGeom>
+          <a:solidFill>
+            <a:schemeClr val="accent1">
+              <a:alpha val="30000"/>
+            </a:schemeClr>
+          </a:solidFill>
+          <a:ln>
+            <a:noFill/>
+          </a:ln>
+        </p:spPr>
+        <p:style>
+          <a:lnRef idx="2">
+            <a:schemeClr val="accent1">
+              <a:shade val="50000"/>
+            </a:schemeClr>
+          </a:lnRef>
+          <a:fillRef idx="1">
+            <a:schemeClr val="accent1"/>
+          </a:fillRef>
+          <a:effectRef idx="0">
+            <a:schemeClr val="accent1"/>
+          </a:effectRef>
+          <a:fontRef idx="minor">
+            <a:schemeClr val="lt1"/>
+          </a:fontRef>
+        </p:style>
+        <p:txBody>
+          <a:bodyPr rtlCol="0" anchor="ctr"/>
+          <a:lstStyle/>
+          <a:p>
+            <a:pPr algn="ctr"/>
+            <a:endParaRPr lang="en-US"/>
+          </a:p>
+        </p:txBody>
+      </p:sp>
+      <p:sp>
+        <p:nvSpPr>
+          <p:cNvPr id="16" name="Rectangle 15">
+            <a:extLst>
+              <a:ext uri="{FF2B5EF4-FFF2-40B4-BE49-F238E27FC236}">
+                <a16:creationId xmlns:a16="http://schemas.microsoft.com/office/drawing/2014/main" id="{3783CA14-24A1-485C-8B30-D6A5D87987AD}"/>
+              </a:ext>
+              <a:ext uri="{C183D7F6-B498-43B3-948B-1728B52AA6E4}">
+                <adec:decorative xmlns:adec="http://schemas.microsoft.com/office/drawing/2017/decorative" val="1"/>
+              </a:ext>
+            </a:extLst>
+          </p:cNvPr>
+          <p:cNvSpPr>
+            <a:spLocks noGrp="1" noRot="1" noChangeAspect="1" noMove="1" noResize="1" noEditPoints="1" noAdjustHandles="1" noChangeArrowheads="1" noChangeShapeType="1" noTextEdit="1"/>
+          </p:cNvSpPr>
+          <p:nvPr>
+            <p:extLst>
+              <p:ext uri="{386F3935-93C4-4BCD-93E2-E3B085C9AB24}">
+                <p16:designElem xmlns:p16="http://schemas.microsoft.com/office/powerpoint/2015/main" val="1"/>
+              </p:ext>
+            </p:extLst>
+          </p:nvPr>
+        </p:nvSpPr>
+        <p:spPr>
+          <a:xfrm rot="18900000" flipH="1">
+            <a:off x="10043482" y="655140"/>
+            <a:ext cx="687472" cy="687472"/>
+          </a:xfrm>
+          <a:prstGeom prst="rect">
+            <a:avLst/>
+          </a:prstGeom>
+          <a:solidFill>
+            <a:schemeClr val="accent4">
+              <a:alpha val="30000"/>
+            </a:schemeClr>
+          </a:solidFill>
+          <a:ln>
+            <a:noFill/>
+          </a:ln>
+        </p:spPr>
+        <p:style>
+          <a:lnRef idx="2">
+            <a:schemeClr val="accent1">
+              <a:shade val="50000"/>
+            </a:schemeClr>
+          </a:lnRef>
+          <a:fillRef idx="1">
+            <a:schemeClr val="accent1"/>
+          </a:fillRef>
+          <a:effectRef idx="0">
+            <a:schemeClr val="accent1"/>
+          </a:effectRef>
+          <a:fontRef idx="minor">
+            <a:schemeClr val="lt1"/>
+          </a:fontRef>
+        </p:style>
+        <p:txBody>
+          <a:bodyPr rtlCol="0" anchor="ctr"/>
+          <a:lstStyle/>
+          <a:p>
+            <a:pPr algn="ctr"/>
+            <a:endParaRPr lang="en-US"/>
+          </a:p>
+        </p:txBody>
+      </p:sp>
+      <p:sp>
+        <p:nvSpPr>
+          <p:cNvPr id="18" name="Freeform: Shape 17">
+            <a:extLst>
+              <a:ext uri="{FF2B5EF4-FFF2-40B4-BE49-F238E27FC236}">
+                <a16:creationId xmlns:a16="http://schemas.microsoft.com/office/drawing/2014/main" id="{9A97C86A-04D6-40F7-AE84-31AB43E6A846}"/>
+              </a:ext>
+              <a:ext uri="{C183D7F6-B498-43B3-948B-1728B52AA6E4}">
+                <adec:decorative xmlns:adec="http://schemas.microsoft.com/office/drawing/2017/decorative" val="1"/>
+              </a:ext>
+            </a:extLst>
+          </p:cNvPr>
+          <p:cNvSpPr>
+            <a:spLocks noGrp="1" noRot="1" noChangeAspect="1" noMove="1" noResize="1" noEditPoints="1" noAdjustHandles="1" noChangeArrowheads="1" noChangeShapeType="1" noTextEdit="1"/>
+          </p:cNvSpPr>
+          <p:nvPr>
+            <p:extLst>
+              <p:ext uri="{386F3935-93C4-4BCD-93E2-E3B085C9AB24}">
+                <p16:designElem xmlns:p16="http://schemas.microsoft.com/office/powerpoint/2015/main" val="1"/>
+              </p:ext>
+            </p:extLst>
+          </p:nvPr>
+        </p:nvSpPr>
+        <p:spPr>
+          <a:xfrm rot="10800000" flipH="1">
+            <a:off x="9356643" y="0"/>
+            <a:ext cx="2835357" cy="1480837"/>
+          </a:xfrm>
+          <a:custGeom>
+            <a:avLst/>
+            <a:gdLst>
+              <a:gd name="connsiteX0" fmla="*/ 2835357 w 2835357"/>
+              <a:gd name="connsiteY0" fmla="*/ 1480837 h 1480837"/>
+              <a:gd name="connsiteX1" fmla="*/ 0 w 2835357"/>
+              <a:gd name="connsiteY1" fmla="*/ 1480837 h 1480837"/>
+              <a:gd name="connsiteX2" fmla="*/ 1552727 w 2835357"/>
+              <a:gd name="connsiteY2" fmla="*/ 0 h 1480837"/>
+              <a:gd name="connsiteX3" fmla="*/ 2835357 w 2835357"/>
+              <a:gd name="connsiteY3" fmla="*/ 1223245 h 1480837"/>
+            </a:gdLst>
+            <a:ahLst/>
+            <a:cxnLst>
+              <a:cxn ang="0">
+                <a:pos x="connsiteX0" y="connsiteY0"/>
+              </a:cxn>
+              <a:cxn ang="0">
+                <a:pos x="connsiteX1" y="connsiteY1"/>
+              </a:cxn>
+              <a:cxn ang="0">
+                <a:pos x="connsiteX2" y="connsiteY2"/>
+              </a:cxn>
+              <a:cxn ang="0">
+                <a:pos x="connsiteX3" y="connsiteY3"/>
+              </a:cxn>
+            </a:cxnLst>
+            <a:rect l="l" t="t" r="r" b="b"/>
+            <a:pathLst>
+              <a:path w="2835357" h="1480837">
+                <a:moveTo>
+                  <a:pt x="2835357" y="1480837"/>
+                </a:moveTo>
+                <a:lnTo>
+                  <a:pt x="0" y="1480837"/>
+                </a:lnTo>
+                <a:lnTo>
+                  <a:pt x="1552727" y="0"/>
+                </a:lnTo>
+                <a:lnTo>
+                  <a:pt x="2835357" y="1223245"/>
+                </a:lnTo>
+                <a:close/>
+              </a:path>
+            </a:pathLst>
+          </a:custGeom>
+          <a:solidFill>
+            <a:schemeClr val="accent4">
+              <a:alpha val="30000"/>
+            </a:schemeClr>
+          </a:solidFill>
+          <a:ln>
+            <a:noFill/>
+          </a:ln>
+        </p:spPr>
+        <p:style>
+          <a:lnRef idx="2">
+            <a:schemeClr val="accent1">
+              <a:shade val="50000"/>
+            </a:schemeClr>
+          </a:lnRef>
+          <a:fillRef idx="1">
+            <a:schemeClr val="accent1"/>
+          </a:fillRef>
+          <a:effectRef idx="0">
+            <a:schemeClr val="accent1"/>
+          </a:effectRef>
+          <a:fontRef idx="minor">
+            <a:schemeClr val="lt1"/>
+          </a:fontRef>
+        </p:style>
+        <p:txBody>
+          <a:bodyPr wrap="square" rtlCol="0" anchor="ctr">
+            <a:noAutofit/>
+          </a:bodyPr>
+          <a:lstStyle/>
+          <a:p>
+            <a:pPr algn="ctr"/>
+            <a:endParaRPr lang="en-US" dirty="0"/>
+          </a:p>
+        </p:txBody>
+      </p:sp>
+      <p:sp>
+        <p:nvSpPr>
+          <p:cNvPr id="20" name="Isosceles Triangle 19">
+            <a:extLst>
+              <a:ext uri="{FF2B5EF4-FFF2-40B4-BE49-F238E27FC236}">
+                <a16:creationId xmlns:a16="http://schemas.microsoft.com/office/drawing/2014/main" id="{FF9F2414-84E8-453E-B1F3-389FDE8192D9}"/>
+              </a:ext>
+              <a:ext uri="{C183D7F6-B498-43B3-948B-1728B52AA6E4}">
+                <adec:decorative xmlns:adec="http://schemas.microsoft.com/office/drawing/2017/decorative" val="1"/>
+              </a:ext>
+            </a:extLst>
+          </p:cNvPr>
+          <p:cNvSpPr>
+            <a:spLocks noGrp="1" noRot="1" noChangeAspect="1" noMove="1" noResize="1" noEditPoints="1" noAdjustHandles="1" noChangeArrowheads="1" noChangeShapeType="1" noTextEdit="1"/>
+          </p:cNvSpPr>
+          <p:nvPr>
+            <p:extLst>
+              <p:ext uri="{386F3935-93C4-4BCD-93E2-E3B085C9AB24}">
+                <p16:designElem xmlns:p16="http://schemas.microsoft.com/office/powerpoint/2015/main" val="1"/>
+              </p:ext>
+            </p:extLst>
+          </p:nvPr>
+        </p:nvSpPr>
+        <p:spPr>
+          <a:xfrm flipH="1">
+            <a:off x="7976344" y="6115501"/>
+            <a:ext cx="1494513" cy="742499"/>
+          </a:xfrm>
+          <a:prstGeom prst="triangle">
+            <a:avLst/>
+          </a:prstGeom>
+          <a:solidFill>
+            <a:schemeClr val="accent1">
+              <a:alpha val="30000"/>
+            </a:schemeClr>
+          </a:solidFill>
+          <a:ln>
+            <a:noFill/>
+          </a:ln>
+        </p:spPr>
+        <p:style>
+          <a:lnRef idx="2">
+            <a:schemeClr val="accent1">
+              <a:shade val="50000"/>
+            </a:schemeClr>
+          </a:lnRef>
+          <a:fillRef idx="1">
+            <a:schemeClr val="accent1"/>
+          </a:fillRef>
+          <a:effectRef idx="0">
+            <a:schemeClr val="accent1"/>
+          </a:effectRef>
+          <a:fontRef idx="minor">
+            <a:schemeClr val="lt1"/>
+          </a:fontRef>
+        </p:style>
+        <p:txBody>
+          <a:bodyPr rtlCol="0" anchor="ctr"/>
+          <a:lstStyle/>
+          <a:p>
+            <a:pPr algn="ctr"/>
+            <a:endParaRPr lang="en-US"/>
+          </a:p>
+        </p:txBody>
+      </p:sp>
+      <p:sp>
+        <p:nvSpPr>
+          <p:cNvPr id="22" name="Isosceles Triangle 21">
+            <a:extLst>
+              <a:ext uri="{FF2B5EF4-FFF2-40B4-BE49-F238E27FC236}">
+                <a16:creationId xmlns:a16="http://schemas.microsoft.com/office/drawing/2014/main" id="{3ECA69A1-7536-43AC-85EF-C7106179F5ED}"/>
+              </a:ext>
+              <a:ext uri="{C183D7F6-B498-43B3-948B-1728B52AA6E4}">
+                <adec:decorative xmlns:adec="http://schemas.microsoft.com/office/drawing/2017/decorative" val="1"/>
+              </a:ext>
+            </a:extLst>
+          </p:cNvPr>
+          <p:cNvSpPr>
+            <a:spLocks noGrp="1" noRot="1" noChangeAspect="1" noMove="1" noResize="1" noEditPoints="1" noAdjustHandles="1" noChangeArrowheads="1" noChangeShapeType="1" noTextEdit="1"/>
+          </p:cNvSpPr>
+          <p:nvPr>
+            <p:extLst>
+              <p:ext uri="{386F3935-93C4-4BCD-93E2-E3B085C9AB24}">
+                <p16:designElem xmlns:p16="http://schemas.microsoft.com/office/powerpoint/2015/main" val="1"/>
+              </p:ext>
+            </p:extLst>
+          </p:nvPr>
+        </p:nvSpPr>
+        <p:spPr>
+          <a:xfrm flipH="1">
+            <a:off x="7604080" y="6453143"/>
+            <a:ext cx="814903" cy="404857"/>
+          </a:xfrm>
+          <a:prstGeom prst="triangle">
+            <a:avLst/>
+          </a:prstGeom>
+          <a:solidFill>
+            <a:schemeClr val="accent1">
+              <a:alpha val="30000"/>
+            </a:schemeClr>
+          </a:solidFill>
+          <a:ln>
+            <a:noFill/>
+          </a:ln>
+        </p:spPr>
+        <p:style>
+          <a:lnRef idx="2">
+            <a:schemeClr val="accent1">
+              <a:shade val="50000"/>
+            </a:schemeClr>
+          </a:lnRef>
+          <a:fillRef idx="1">
+            <a:schemeClr val="accent1"/>
+          </a:fillRef>
+          <a:effectRef idx="0">
+            <a:schemeClr val="accent1"/>
+          </a:effectRef>
+          <a:fontRef idx="minor">
+            <a:schemeClr val="lt1"/>
+          </a:fontRef>
+        </p:style>
+        <p:txBody>
+          <a:bodyPr rtlCol="0" anchor="ctr"/>
+          <a:lstStyle/>
+          <a:p>
+            <a:pPr algn="ctr"/>
+            <a:endParaRPr lang="en-US"/>
+          </a:p>
+        </p:txBody>
+      </p:sp>
+      <p:pic>
+        <p:nvPicPr>
+          <p:cNvPr id="6" name="Imagem 5" descr="Desenho com traços pretos em fundo branco e letras pretas em fundo branco&#10;&#10;Descrição gerada automaticamente com confiança média">
+            <a:extLst>
+              <a:ext uri="{FF2B5EF4-FFF2-40B4-BE49-F238E27FC236}">
+                <a16:creationId xmlns:a16="http://schemas.microsoft.com/office/drawing/2014/main" id="{8E07B8E8-6B50-B995-9C22-61548527FDF0}"/>
+              </a:ext>
+            </a:extLst>
+          </p:cNvPr>
+          <p:cNvPicPr>
+            <a:picLocks noChangeAspect="1"/>
+          </p:cNvPicPr>
+          <p:nvPr/>
+        </p:nvPicPr>
+        <p:blipFill>
+          <a:blip r:embed="rId2">
+            <a:extLst>
+              <a:ext uri="{28A0092B-C50C-407E-A947-70E740481C1C}">
+                <a14:useLocalDpi xmlns:a14="http://schemas.microsoft.com/office/drawing/2010/main" val="0"/>
+              </a:ext>
+            </a:extLst>
+          </a:blip>
+          <a:stretch>
+            <a:fillRect/>
+          </a:stretch>
+        </p:blipFill>
+        <p:spPr>
+          <a:xfrm>
+            <a:off x="4720365" y="303618"/>
+            <a:ext cx="3352806" cy="1173482"/>
+          </a:xfrm>
+          <a:prstGeom prst="rect">
+            <a:avLst/>
+          </a:prstGeom>
+        </p:spPr>
+      </p:pic>
+      <p:pic>
+        <p:nvPicPr>
+          <p:cNvPr id="3" name="Imagem 2">
+            <a:extLst>
+              <a:ext uri="{FF2B5EF4-FFF2-40B4-BE49-F238E27FC236}">
+                <a16:creationId xmlns:a16="http://schemas.microsoft.com/office/drawing/2014/main" id="{79A293EB-68FB-B791-F460-60475240A184}"/>
+              </a:ext>
+            </a:extLst>
+          </p:cNvPr>
+          <p:cNvPicPr>
+            <a:picLocks noChangeAspect="1"/>
+          </p:cNvPicPr>
+          <p:nvPr/>
+        </p:nvPicPr>
+        <p:blipFill>
+          <a:blip r:embed="rId3"/>
+          <a:stretch>
+            <a:fillRect/>
+          </a:stretch>
+        </p:blipFill>
+        <p:spPr>
+          <a:xfrm>
+            <a:off x="5777971" y="4815471"/>
+            <a:ext cx="1669419" cy="1505072"/>
+          </a:xfrm>
+          <a:prstGeom prst="rect">
+            <a:avLst/>
+          </a:prstGeom>
+        </p:spPr>
+      </p:pic>
+      <p:pic>
+        <p:nvPicPr>
+          <p:cNvPr id="4" name="Imagem 3">
+            <a:extLst>
+              <a:ext uri="{FF2B5EF4-FFF2-40B4-BE49-F238E27FC236}">
+                <a16:creationId xmlns:a16="http://schemas.microsoft.com/office/drawing/2014/main" id="{87375792-4058-F6A6-BB22-A78C2BC8CC49}"/>
+              </a:ext>
+            </a:extLst>
+          </p:cNvPr>
+          <p:cNvPicPr>
+            <a:picLocks noChangeAspect="1"/>
+          </p:cNvPicPr>
+          <p:nvPr/>
+        </p:nvPicPr>
+        <p:blipFill>
+          <a:blip r:embed="rId4"/>
+          <a:stretch>
+            <a:fillRect/>
+          </a:stretch>
+        </p:blipFill>
+        <p:spPr>
+          <a:xfrm>
+            <a:off x="5955397" y="6279064"/>
+            <a:ext cx="1314566" cy="553234"/>
+          </a:xfrm>
+          <a:prstGeom prst="rect">
+            <a:avLst/>
+          </a:prstGeom>
+        </p:spPr>
+      </p:pic>
+      <p:sp>
+        <p:nvSpPr>
+          <p:cNvPr id="8" name="Retângulo 7">
+            <a:extLst>
+              <a:ext uri="{FF2B5EF4-FFF2-40B4-BE49-F238E27FC236}">
+                <a16:creationId xmlns:a16="http://schemas.microsoft.com/office/drawing/2014/main" id="{52E891EC-93B2-EBD6-6BF2-F22A3E1E2107}"/>
+              </a:ext>
+            </a:extLst>
+          </p:cNvPr>
+          <p:cNvSpPr/>
+          <p:nvPr/>
+        </p:nvSpPr>
+        <p:spPr>
+          <a:xfrm>
+            <a:off x="4478384" y="1947265"/>
+            <a:ext cx="4878259" cy="923330"/>
+          </a:xfrm>
+          <a:prstGeom prst="rect">
+            <a:avLst/>
+          </a:prstGeom>
+          <a:noFill/>
+        </p:spPr>
+        <p:txBody>
+          <a:bodyPr wrap="none" lIns="91440" tIns="45720" rIns="91440" bIns="45720">
+            <a:spAutoFit/>
+          </a:bodyPr>
+          <a:lstStyle/>
+          <a:p>
+            <a:pPr algn="ctr"/>
+            <a:r>
+              <a:rPr lang="pt-BR" sz="5400" b="1" cap="none" spc="0" dirty="0">
+                <a:ln w="0"/>
+                <a:gradFill>
+                  <a:gsLst>
+                    <a:gs pos="42000">
+                      <a:schemeClr val="tx2"/>
+                    </a:gs>
+                    <a:gs pos="100000">
+                      <a:srgbClr val="C00000"/>
+                    </a:gs>
+                  </a:gsLst>
+                  <a:lin ang="2700000" scaled="1"/>
+                </a:gradFill>
+                <a:effectLst>
+                  <a:outerShdw blurRad="38100" dist="25400" dir="5400000" algn="ctr" rotWithShape="0">
+                    <a:srgbClr val="6E747A">
+                      <a:alpha val="43000"/>
+                    </a:srgbClr>
+                  </a:outerShdw>
+                </a:effectLst>
+                <a:latin typeface="Arial" panose="020B0604020202020204" pitchFamily="34" charset="0"/>
+                <a:cs typeface="Arial" panose="020B0604020202020204" pitchFamily="34" charset="0"/>
+              </a:rPr>
+              <a:t>OBRIGADO !!!</a:t>
+            </a:r>
+          </a:p>
+        </p:txBody>
+      </p:sp>
+      <p:sp>
+        <p:nvSpPr>
+          <p:cNvPr id="2" name="Retângulo 1">
+            <a:extLst>
+              <a:ext uri="{FF2B5EF4-FFF2-40B4-BE49-F238E27FC236}">
+                <a16:creationId xmlns:a16="http://schemas.microsoft.com/office/drawing/2014/main" id="{EC636456-808A-4D5C-1583-F701C810F614}"/>
+              </a:ext>
+            </a:extLst>
+          </p:cNvPr>
+          <p:cNvSpPr/>
+          <p:nvPr/>
+        </p:nvSpPr>
+        <p:spPr>
+          <a:xfrm>
+            <a:off x="4593012" y="3354684"/>
+            <a:ext cx="4517582" cy="461665"/>
+          </a:xfrm>
+          <a:prstGeom prst="rect">
+            <a:avLst/>
+          </a:prstGeom>
+          <a:noFill/>
+        </p:spPr>
+        <p:txBody>
+          <a:bodyPr wrap="none" lIns="91440" tIns="45720" rIns="91440" bIns="45720">
+            <a:spAutoFit/>
+          </a:bodyPr>
+          <a:lstStyle/>
+          <a:p>
+            <a:pPr algn="ctr"/>
+            <a:r>
+              <a:rPr lang="pt-BR" sz="2400" b="1" cap="none" spc="0" dirty="0">
+                <a:ln w="0"/>
+                <a:gradFill>
+                  <a:gsLst>
+                    <a:gs pos="42000">
+                      <a:schemeClr val="tx2"/>
+                    </a:gs>
+                    <a:gs pos="100000">
+                      <a:srgbClr val="C00000"/>
+                    </a:gs>
+                  </a:gsLst>
+                  <a:lin ang="2700000" scaled="1"/>
+                </a:gradFill>
+                <a:effectLst>
+                  <a:outerShdw blurRad="38100" dist="25400" dir="5400000" algn="ctr" rotWithShape="0">
+                    <a:srgbClr val="6E747A">
+                      <a:alpha val="43000"/>
+                    </a:srgbClr>
+                  </a:outerShdw>
+                </a:effectLst>
+                <a:latin typeface="Arial" panose="020B0604020202020204" pitchFamily="34" charset="0"/>
+                <a:cs typeface="Arial" panose="020B0604020202020204" pitchFamily="34" charset="0"/>
+              </a:rPr>
+              <a:t>E-MAIL: jhmiante@gmail.com</a:t>
+            </a:r>
+          </a:p>
+        </p:txBody>
+      </p:sp>
+    </p:spTree>
+    <p:extLst>
+      <p:ext uri="{BB962C8B-B14F-4D97-AF65-F5344CB8AC3E}">
+        <p14:creationId xmlns:p14="http://schemas.microsoft.com/office/powerpoint/2010/main" val="834360927"/>
+      </p:ext>
+    </p:extLst>
+  </p:cSld>
+  <p:clrMapOvr>
+    <a:masterClrMapping/>
+  </p:clrMapOvr>
+  <mc:AlternateContent xmlns:mc="http://schemas.openxmlformats.org/markup-compatibility/2006" xmlns:p159="http://schemas.microsoft.com/office/powerpoint/2015/09/main">
+    <mc:Choice Requires="p159">
+      <p:transition xmlns:p14="http://schemas.microsoft.com/office/powerpoint/2010/main" spd="slow" p14:dur="2000">
+        <p159:morph option="byObject"/>
+      </p:transition>
+    </mc:Choice>
+    <mc:Fallback xmlns="">
+      <p:transition spd="slow">
+        <p:fade/>
+      </p:transition>
+    </mc:Fallback>
+  </mc:AlternateContent>
+</p:sld>
+</file>
+
+<file path=ppt/slides/slide2.xml><?xml version="1.0" encoding="utf-8"?>
 <p:sld xmlns:a="http://schemas.openxmlformats.org/drawingml/2006/main" xmlns:r="http://schemas.openxmlformats.org/officeDocument/2006/relationships" xmlns:p="http://schemas.openxmlformats.org/presentationml/2006/main">
   <p:cSld>
     <p:bg>
@@ -8484,1509 +10330,6 @@
         </p:nvSpPr>
         <p:spPr>
           <a:xfrm>
-            <a:off x="3535181" y="339536"/>
-            <a:ext cx="5121658" cy="923330"/>
-          </a:xfrm>
-          <a:prstGeom prst="rect">
-            <a:avLst/>
-          </a:prstGeom>
-          <a:noFill/>
-        </p:spPr>
-        <p:txBody>
-          <a:bodyPr wrap="none" lIns="91440" tIns="45720" rIns="91440" bIns="45720">
-            <a:spAutoFit/>
-          </a:bodyPr>
-          <a:lstStyle/>
-          <a:p>
-            <a:pPr algn="ctr"/>
-            <a:r>
-              <a:rPr lang="pt-BR" sz="5400" b="1" cap="none" spc="0" dirty="0">
-                <a:ln w="0"/>
-                <a:gradFill>
-                  <a:gsLst>
-                    <a:gs pos="42000">
-                      <a:schemeClr val="tx2"/>
-                    </a:gs>
-                    <a:gs pos="100000">
-                      <a:srgbClr val="C00000"/>
-                    </a:gs>
-                  </a:gsLst>
-                  <a:lin ang="2700000" scaled="1"/>
-                </a:gradFill>
-                <a:effectLst>
-                  <a:outerShdw blurRad="38100" dist="25400" dir="5400000" algn="ctr" rotWithShape="0">
-                    <a:srgbClr val="6E747A">
-                      <a:alpha val="43000"/>
-                    </a:srgbClr>
-                  </a:outerShdw>
-                </a:effectLst>
-                <a:latin typeface="Arial" panose="020B0604020202020204" pitchFamily="34" charset="0"/>
-                <a:cs typeface="Arial" panose="020B0604020202020204" pitchFamily="34" charset="0"/>
-              </a:rPr>
-              <a:t>PLATAFORMA</a:t>
-            </a:r>
-          </a:p>
-        </p:txBody>
-      </p:sp>
-      <p:pic>
-        <p:nvPicPr>
-          <p:cNvPr id="12" name="Imagem 11">
-            <a:extLst>
-              <a:ext uri="{FF2B5EF4-FFF2-40B4-BE49-F238E27FC236}">
-                <a16:creationId xmlns:a16="http://schemas.microsoft.com/office/drawing/2014/main" id="{C44E19F2-F62C-BF5B-4DA2-54062A276CE4}"/>
-              </a:ext>
-            </a:extLst>
-          </p:cNvPr>
-          <p:cNvPicPr>
-            <a:picLocks noChangeAspect="1"/>
-          </p:cNvPicPr>
-          <p:nvPr/>
-        </p:nvPicPr>
-        <p:blipFill>
-          <a:blip r:embed="rId3"/>
-          <a:stretch>
-            <a:fillRect/>
-          </a:stretch>
-        </p:blipFill>
-        <p:spPr>
-          <a:xfrm>
-            <a:off x="3605401" y="3605399"/>
-            <a:ext cx="6183086" cy="2869083"/>
-          </a:xfrm>
-          <a:prstGeom prst="rect">
-            <a:avLst/>
-          </a:prstGeom>
-          <a:ln>
-            <a:solidFill>
-              <a:schemeClr val="tx1"/>
-            </a:solidFill>
-          </a:ln>
-          <a:effectLst>
-            <a:outerShdw blurRad="292100" dist="139700" dir="2700000" algn="tl" rotWithShape="0">
-              <a:srgbClr val="333333">
-                <a:alpha val="65000"/>
-              </a:srgbClr>
-            </a:outerShdw>
-          </a:effectLst>
-        </p:spPr>
-      </p:pic>
-      <p:pic>
-        <p:nvPicPr>
-          <p:cNvPr id="6" name="Imagem 5">
-            <a:extLst>
-              <a:ext uri="{FF2B5EF4-FFF2-40B4-BE49-F238E27FC236}">
-                <a16:creationId xmlns:a16="http://schemas.microsoft.com/office/drawing/2014/main" id="{3A2B2E24-5FDF-7C23-5A0A-644650C8E7CA}"/>
-              </a:ext>
-            </a:extLst>
-          </p:cNvPr>
-          <p:cNvPicPr>
-            <a:picLocks noChangeAspect="1"/>
-          </p:cNvPicPr>
-          <p:nvPr/>
-        </p:nvPicPr>
-        <p:blipFill>
-          <a:blip r:embed="rId4"/>
-          <a:stretch>
-            <a:fillRect/>
-          </a:stretch>
-        </p:blipFill>
-        <p:spPr>
-          <a:xfrm>
-            <a:off x="4838334" y="2028839"/>
-            <a:ext cx="7153469" cy="1731102"/>
-          </a:xfrm>
-          <a:prstGeom prst="rect">
-            <a:avLst/>
-          </a:prstGeom>
-          <a:ln>
-            <a:solidFill>
-              <a:schemeClr val="tx1"/>
-            </a:solidFill>
-          </a:ln>
-          <a:effectLst>
-            <a:outerShdw blurRad="292100" dist="139700" dir="2700000" algn="tl" rotWithShape="0">
-              <a:srgbClr val="333333">
-                <a:alpha val="65000"/>
-              </a:srgbClr>
-            </a:outerShdw>
-          </a:effectLst>
-        </p:spPr>
-      </p:pic>
-      <p:pic>
-        <p:nvPicPr>
-          <p:cNvPr id="3" name="Imagem 2">
-            <a:extLst>
-              <a:ext uri="{FF2B5EF4-FFF2-40B4-BE49-F238E27FC236}">
-                <a16:creationId xmlns:a16="http://schemas.microsoft.com/office/drawing/2014/main" id="{00ABA3FC-457B-9ECA-E814-688120D6F71B}"/>
-              </a:ext>
-            </a:extLst>
-          </p:cNvPr>
-          <p:cNvPicPr>
-            <a:picLocks noChangeAspect="1"/>
-          </p:cNvPicPr>
-          <p:nvPr/>
-        </p:nvPicPr>
-        <p:blipFill>
-          <a:blip r:embed="rId5"/>
-          <a:stretch>
-            <a:fillRect/>
-          </a:stretch>
-        </p:blipFill>
-        <p:spPr>
-          <a:xfrm>
-            <a:off x="287783" y="1388303"/>
-            <a:ext cx="6635236" cy="2103684"/>
-          </a:xfrm>
-          <a:prstGeom prst="rect">
-            <a:avLst/>
-          </a:prstGeom>
-          <a:ln>
-            <a:noFill/>
-          </a:ln>
-          <a:effectLst>
-            <a:outerShdw blurRad="190500" algn="tl" rotWithShape="0">
-              <a:srgbClr val="000000">
-                <a:alpha val="70000"/>
-              </a:srgbClr>
-            </a:outerShdw>
-          </a:effectLst>
-        </p:spPr>
-      </p:pic>
-      <p:pic>
-        <p:nvPicPr>
-          <p:cNvPr id="2" name="Imagem 1">
-            <a:extLst>
-              <a:ext uri="{FF2B5EF4-FFF2-40B4-BE49-F238E27FC236}">
-                <a16:creationId xmlns:a16="http://schemas.microsoft.com/office/drawing/2014/main" id="{7653DA54-8239-95AC-B608-484411795B31}"/>
-              </a:ext>
-            </a:extLst>
-          </p:cNvPr>
-          <p:cNvPicPr>
-            <a:picLocks noChangeAspect="1"/>
-          </p:cNvPicPr>
-          <p:nvPr/>
-        </p:nvPicPr>
-        <p:blipFill>
-          <a:blip r:embed="rId6"/>
-          <a:stretch>
-            <a:fillRect/>
-          </a:stretch>
-        </p:blipFill>
-        <p:spPr>
-          <a:xfrm>
-            <a:off x="11221328" y="6008914"/>
-            <a:ext cx="941802" cy="849086"/>
-          </a:xfrm>
-          <a:prstGeom prst="rect">
-            <a:avLst/>
-          </a:prstGeom>
-        </p:spPr>
-      </p:pic>
-    </p:spTree>
-    <p:extLst>
-      <p:ext uri="{BB962C8B-B14F-4D97-AF65-F5344CB8AC3E}">
-        <p14:creationId xmlns:p14="http://schemas.microsoft.com/office/powerpoint/2010/main" val="3807411779"/>
-      </p:ext>
-    </p:extLst>
-  </p:cSld>
-  <p:clrMapOvr>
-    <a:masterClrMapping/>
-  </p:clrMapOvr>
-  <mc:AlternateContent xmlns:mc="http://schemas.openxmlformats.org/markup-compatibility/2006" xmlns:p14="http://schemas.microsoft.com/office/powerpoint/2010/main">
-    <mc:Choice Requires="p14">
-      <p:transition p14:dur="0"/>
-    </mc:Choice>
-    <mc:Fallback xmlns="">
-      <p:transition/>
-    </mc:Fallback>
-  </mc:AlternateContent>
-</p:sld>
-</file>
-
-<file path=ppt/slides/slide16.xml><?xml version="1.0" encoding="utf-8"?>
-<p:sld xmlns:a="http://schemas.openxmlformats.org/drawingml/2006/main" xmlns:r="http://schemas.openxmlformats.org/officeDocument/2006/relationships" xmlns:p="http://schemas.openxmlformats.org/presentationml/2006/main">
-  <p:cSld>
-    <p:bg>
-      <p:bgPr>
-        <a:solidFill>
-          <a:schemeClr val="bg1"/>
-        </a:solidFill>
-        <a:effectLst/>
-      </p:bgPr>
-    </p:bg>
-    <p:spTree>
-      <p:nvGrpSpPr>
-        <p:cNvPr id="1" name=""/>
-        <p:cNvGrpSpPr/>
-        <p:nvPr/>
-      </p:nvGrpSpPr>
-      <p:grpSpPr>
-        <a:xfrm>
-          <a:off x="0" y="0"/>
-          <a:ext cx="0" cy="0"/>
-          <a:chOff x="0" y="0"/>
-          <a:chExt cx="0" cy="0"/>
-        </a:xfrm>
-      </p:grpSpPr>
-      <p:sp>
-        <p:nvSpPr>
-          <p:cNvPr id="17" name="Rectangle 9">
-            <a:extLst>
-              <a:ext uri="{FF2B5EF4-FFF2-40B4-BE49-F238E27FC236}">
-                <a16:creationId xmlns:a16="http://schemas.microsoft.com/office/drawing/2014/main" id="{F3060C83-F051-4F0E-ABAD-AA0DFC48B218}"/>
-              </a:ext>
-              <a:ext uri="{C183D7F6-B498-43B3-948B-1728B52AA6E4}">
-                <adec:decorative xmlns:adec="http://schemas.microsoft.com/office/drawing/2017/decorative" val="1"/>
-              </a:ext>
-            </a:extLst>
-          </p:cNvPr>
-          <p:cNvSpPr>
-            <a:spLocks noGrp="1" noRot="1" noChangeAspect="1" noMove="1" noResize="1" noEditPoints="1" noAdjustHandles="1" noChangeArrowheads="1" noChangeShapeType="1" noTextEdit="1"/>
-          </p:cNvSpPr>
-          <p:nvPr>
-            <p:extLst>
-              <p:ext uri="{386F3935-93C4-4BCD-93E2-E3B085C9AB24}">
-                <p16:designElem xmlns:p16="http://schemas.microsoft.com/office/powerpoint/2015/main" val="1"/>
-              </p:ext>
-            </p:extLst>
-          </p:nvPr>
-        </p:nvSpPr>
-        <p:spPr>
-          <a:xfrm>
-            <a:off x="0" y="0"/>
-            <a:ext cx="12192000" cy="6858000"/>
-          </a:xfrm>
-          <a:prstGeom prst="rect">
-            <a:avLst/>
-          </a:prstGeom>
-          <a:solidFill>
-            <a:schemeClr val="bg1"/>
-          </a:solidFill>
-          <a:ln>
-            <a:noFill/>
-          </a:ln>
-        </p:spPr>
-        <p:style>
-          <a:lnRef idx="2">
-            <a:schemeClr val="accent1">
-              <a:shade val="50000"/>
-            </a:schemeClr>
-          </a:lnRef>
-          <a:fillRef idx="1">
-            <a:schemeClr val="accent1"/>
-          </a:fillRef>
-          <a:effectRef idx="0">
-            <a:schemeClr val="accent1"/>
-          </a:effectRef>
-          <a:fontRef idx="minor">
-            <a:schemeClr val="lt1"/>
-          </a:fontRef>
-        </p:style>
-        <p:txBody>
-          <a:bodyPr rtlCol="0" anchor="ctr"/>
-          <a:lstStyle/>
-          <a:p>
-            <a:pPr algn="ctr"/>
-            <a:endParaRPr lang="en-US" dirty="0"/>
-          </a:p>
-        </p:txBody>
-      </p:sp>
-      <p:sp>
-        <p:nvSpPr>
-          <p:cNvPr id="19" name="Freeform: Shape 11">
-            <a:extLst>
-              <a:ext uri="{FF2B5EF4-FFF2-40B4-BE49-F238E27FC236}">
-                <a16:creationId xmlns:a16="http://schemas.microsoft.com/office/drawing/2014/main" id="{83C98ABE-055B-441F-B07E-44F97F083C39}"/>
-              </a:ext>
-              <a:ext uri="{C183D7F6-B498-43B3-948B-1728B52AA6E4}">
-                <adec:decorative xmlns:adec="http://schemas.microsoft.com/office/drawing/2017/decorative" val="1"/>
-              </a:ext>
-            </a:extLst>
-          </p:cNvPr>
-          <p:cNvSpPr>
-            <a:spLocks noGrp="1" noRot="1" noChangeAspect="1" noMove="1" noResize="1" noEditPoints="1" noAdjustHandles="1" noChangeArrowheads="1" noChangeShapeType="1" noTextEdit="1"/>
-          </p:cNvSpPr>
-          <p:nvPr>
-            <p:extLst>
-              <p:ext uri="{386F3935-93C4-4BCD-93E2-E3B085C9AB24}">
-                <p16:designElem xmlns:p16="http://schemas.microsoft.com/office/powerpoint/2015/main" val="1"/>
-              </p:ext>
-            </p:extLst>
-          </p:nvPr>
-        </p:nvSpPr>
-        <p:spPr>
-          <a:xfrm rot="18900000" flipH="1">
-            <a:off x="-376156" y="-253670"/>
-            <a:ext cx="1827638" cy="1376989"/>
-          </a:xfrm>
-          <a:custGeom>
-            <a:avLst/>
-            <a:gdLst>
-              <a:gd name="connsiteX0" fmla="*/ 0 w 1827638"/>
-              <a:gd name="connsiteY0" fmla="*/ 987379 h 1376989"/>
-              <a:gd name="connsiteX1" fmla="*/ 987379 w 1827638"/>
-              <a:gd name="connsiteY1" fmla="*/ 0 h 1376989"/>
-              <a:gd name="connsiteX2" fmla="*/ 1827638 w 1827638"/>
-              <a:gd name="connsiteY2" fmla="*/ 840260 h 1376989"/>
-              <a:gd name="connsiteX3" fmla="*/ 1827638 w 1827638"/>
-              <a:gd name="connsiteY3" fmla="*/ 1376989 h 1376989"/>
-              <a:gd name="connsiteX4" fmla="*/ 0 w 1827638"/>
-              <a:gd name="connsiteY4" fmla="*/ 1376989 h 1376989"/>
-            </a:gdLst>
-            <a:ahLst/>
-            <a:cxnLst>
-              <a:cxn ang="0">
-                <a:pos x="connsiteX0" y="connsiteY0"/>
-              </a:cxn>
-              <a:cxn ang="0">
-                <a:pos x="connsiteX1" y="connsiteY1"/>
-              </a:cxn>
-              <a:cxn ang="0">
-                <a:pos x="connsiteX2" y="connsiteY2"/>
-              </a:cxn>
-              <a:cxn ang="0">
-                <a:pos x="connsiteX3" y="connsiteY3"/>
-              </a:cxn>
-              <a:cxn ang="0">
-                <a:pos x="connsiteX4" y="connsiteY4"/>
-              </a:cxn>
-            </a:cxnLst>
-            <a:rect l="l" t="t" r="r" b="b"/>
-            <a:pathLst>
-              <a:path w="1827638" h="1376989">
-                <a:moveTo>
-                  <a:pt x="0" y="987379"/>
-                </a:moveTo>
-                <a:lnTo>
-                  <a:pt x="987379" y="0"/>
-                </a:lnTo>
-                <a:lnTo>
-                  <a:pt x="1827638" y="840260"/>
-                </a:lnTo>
-                <a:lnTo>
-                  <a:pt x="1827638" y="1376989"/>
-                </a:lnTo>
-                <a:lnTo>
-                  <a:pt x="0" y="1376989"/>
-                </a:lnTo>
-                <a:close/>
-              </a:path>
-            </a:pathLst>
-          </a:custGeom>
-          <a:solidFill>
-            <a:schemeClr val="accent1">
-              <a:alpha val="30000"/>
-            </a:schemeClr>
-          </a:solidFill>
-          <a:ln>
-            <a:noFill/>
-          </a:ln>
-        </p:spPr>
-        <p:style>
-          <a:lnRef idx="2">
-            <a:schemeClr val="accent1">
-              <a:shade val="50000"/>
-            </a:schemeClr>
-          </a:lnRef>
-          <a:fillRef idx="1">
-            <a:schemeClr val="accent1"/>
-          </a:fillRef>
-          <a:effectRef idx="0">
-            <a:schemeClr val="accent1"/>
-          </a:effectRef>
-          <a:fontRef idx="minor">
-            <a:schemeClr val="lt1"/>
-          </a:fontRef>
-        </p:style>
-        <p:txBody>
-          <a:bodyPr rtlCol="0" anchor="ctr"/>
-          <a:lstStyle/>
-          <a:p>
-            <a:pPr algn="ctr"/>
-            <a:endParaRPr lang="en-US" dirty="0"/>
-          </a:p>
-        </p:txBody>
-      </p:sp>
-      <p:sp>
-        <p:nvSpPr>
-          <p:cNvPr id="21" name="Rectangle 13">
-            <a:extLst>
-              <a:ext uri="{FF2B5EF4-FFF2-40B4-BE49-F238E27FC236}">
-                <a16:creationId xmlns:a16="http://schemas.microsoft.com/office/drawing/2014/main" id="{29FDB030-9B49-4CED-8CCD-4D99382388AC}"/>
-              </a:ext>
-              <a:ext uri="{C183D7F6-B498-43B3-948B-1728B52AA6E4}">
-                <adec:decorative xmlns:adec="http://schemas.microsoft.com/office/drawing/2017/decorative" val="1"/>
-              </a:ext>
-            </a:extLst>
-          </p:cNvPr>
-          <p:cNvSpPr>
-            <a:spLocks noGrp="1" noRot="1" noChangeAspect="1" noMove="1" noResize="1" noEditPoints="1" noAdjustHandles="1" noChangeArrowheads="1" noChangeShapeType="1" noTextEdit="1"/>
-          </p:cNvSpPr>
-          <p:nvPr>
-            <p:extLst>
-              <p:ext uri="{386F3935-93C4-4BCD-93E2-E3B085C9AB24}">
-                <p16:designElem xmlns:p16="http://schemas.microsoft.com/office/powerpoint/2015/main" val="1"/>
-              </p:ext>
-            </p:extLst>
-          </p:nvPr>
-        </p:nvSpPr>
-        <p:spPr>
-          <a:xfrm rot="18900000" flipH="1">
-            <a:off x="891641" y="422146"/>
-            <a:ext cx="645368" cy="645368"/>
-          </a:xfrm>
-          <a:prstGeom prst="rect">
-            <a:avLst/>
-          </a:prstGeom>
-          <a:solidFill>
-            <a:schemeClr val="accent1">
-              <a:alpha val="30000"/>
-            </a:schemeClr>
-          </a:solidFill>
-          <a:ln>
-            <a:noFill/>
-          </a:ln>
-        </p:spPr>
-        <p:style>
-          <a:lnRef idx="2">
-            <a:schemeClr val="accent1">
-              <a:shade val="50000"/>
-            </a:schemeClr>
-          </a:lnRef>
-          <a:fillRef idx="1">
-            <a:schemeClr val="accent1"/>
-          </a:fillRef>
-          <a:effectRef idx="0">
-            <a:schemeClr val="accent1"/>
-          </a:effectRef>
-          <a:fontRef idx="minor">
-            <a:schemeClr val="lt1"/>
-          </a:fontRef>
-        </p:style>
-        <p:txBody>
-          <a:bodyPr rtlCol="0" anchor="ctr"/>
-          <a:lstStyle/>
-          <a:p>
-            <a:pPr algn="ctr"/>
-            <a:endParaRPr lang="en-US"/>
-          </a:p>
-        </p:txBody>
-      </p:sp>
-      <p:sp>
-        <p:nvSpPr>
-          <p:cNvPr id="16" name="Rectangle 15">
-            <a:extLst>
-              <a:ext uri="{FF2B5EF4-FFF2-40B4-BE49-F238E27FC236}">
-                <a16:creationId xmlns:a16="http://schemas.microsoft.com/office/drawing/2014/main" id="{3783CA14-24A1-485C-8B30-D6A5D87987AD}"/>
-              </a:ext>
-              <a:ext uri="{C183D7F6-B498-43B3-948B-1728B52AA6E4}">
-                <adec:decorative xmlns:adec="http://schemas.microsoft.com/office/drawing/2017/decorative" val="1"/>
-              </a:ext>
-            </a:extLst>
-          </p:cNvPr>
-          <p:cNvSpPr>
-            <a:spLocks noGrp="1" noRot="1" noChangeAspect="1" noMove="1" noResize="1" noEditPoints="1" noAdjustHandles="1" noChangeArrowheads="1" noChangeShapeType="1" noTextEdit="1"/>
-          </p:cNvSpPr>
-          <p:nvPr>
-            <p:extLst>
-              <p:ext uri="{386F3935-93C4-4BCD-93E2-E3B085C9AB24}">
-                <p16:designElem xmlns:p16="http://schemas.microsoft.com/office/powerpoint/2015/main" val="1"/>
-              </p:ext>
-            </p:extLst>
-          </p:nvPr>
-        </p:nvSpPr>
-        <p:spPr>
-          <a:xfrm rot="18900000" flipH="1">
-            <a:off x="10043482" y="655140"/>
-            <a:ext cx="687472" cy="687472"/>
-          </a:xfrm>
-          <a:prstGeom prst="rect">
-            <a:avLst/>
-          </a:prstGeom>
-          <a:solidFill>
-            <a:schemeClr val="accent4">
-              <a:alpha val="30000"/>
-            </a:schemeClr>
-          </a:solidFill>
-          <a:ln>
-            <a:noFill/>
-          </a:ln>
-        </p:spPr>
-        <p:style>
-          <a:lnRef idx="2">
-            <a:schemeClr val="accent1">
-              <a:shade val="50000"/>
-            </a:schemeClr>
-          </a:lnRef>
-          <a:fillRef idx="1">
-            <a:schemeClr val="accent1"/>
-          </a:fillRef>
-          <a:effectRef idx="0">
-            <a:schemeClr val="accent1"/>
-          </a:effectRef>
-          <a:fontRef idx="minor">
-            <a:schemeClr val="lt1"/>
-          </a:fontRef>
-        </p:style>
-        <p:txBody>
-          <a:bodyPr rtlCol="0" anchor="ctr"/>
-          <a:lstStyle/>
-          <a:p>
-            <a:pPr algn="ctr"/>
-            <a:endParaRPr lang="en-US"/>
-          </a:p>
-        </p:txBody>
-      </p:sp>
-      <p:sp>
-        <p:nvSpPr>
-          <p:cNvPr id="18" name="Freeform: Shape 17">
-            <a:extLst>
-              <a:ext uri="{FF2B5EF4-FFF2-40B4-BE49-F238E27FC236}">
-                <a16:creationId xmlns:a16="http://schemas.microsoft.com/office/drawing/2014/main" id="{9A97C86A-04D6-40F7-AE84-31AB43E6A846}"/>
-              </a:ext>
-              <a:ext uri="{C183D7F6-B498-43B3-948B-1728B52AA6E4}">
-                <adec:decorative xmlns:adec="http://schemas.microsoft.com/office/drawing/2017/decorative" val="1"/>
-              </a:ext>
-            </a:extLst>
-          </p:cNvPr>
-          <p:cNvSpPr>
-            <a:spLocks noGrp="1" noRot="1" noChangeAspect="1" noMove="1" noResize="1" noEditPoints="1" noAdjustHandles="1" noChangeArrowheads="1" noChangeShapeType="1" noTextEdit="1"/>
-          </p:cNvSpPr>
-          <p:nvPr>
-            <p:extLst>
-              <p:ext uri="{386F3935-93C4-4BCD-93E2-E3B085C9AB24}">
-                <p16:designElem xmlns:p16="http://schemas.microsoft.com/office/powerpoint/2015/main" val="1"/>
-              </p:ext>
-            </p:extLst>
-          </p:nvPr>
-        </p:nvSpPr>
-        <p:spPr>
-          <a:xfrm rot="10800000" flipH="1">
-            <a:off x="9356643" y="0"/>
-            <a:ext cx="2835357" cy="1480837"/>
-          </a:xfrm>
-          <a:custGeom>
-            <a:avLst/>
-            <a:gdLst>
-              <a:gd name="connsiteX0" fmla="*/ 2835357 w 2835357"/>
-              <a:gd name="connsiteY0" fmla="*/ 1480837 h 1480837"/>
-              <a:gd name="connsiteX1" fmla="*/ 0 w 2835357"/>
-              <a:gd name="connsiteY1" fmla="*/ 1480837 h 1480837"/>
-              <a:gd name="connsiteX2" fmla="*/ 1552727 w 2835357"/>
-              <a:gd name="connsiteY2" fmla="*/ 0 h 1480837"/>
-              <a:gd name="connsiteX3" fmla="*/ 2835357 w 2835357"/>
-              <a:gd name="connsiteY3" fmla="*/ 1223245 h 1480837"/>
-            </a:gdLst>
-            <a:ahLst/>
-            <a:cxnLst>
-              <a:cxn ang="0">
-                <a:pos x="connsiteX0" y="connsiteY0"/>
-              </a:cxn>
-              <a:cxn ang="0">
-                <a:pos x="connsiteX1" y="connsiteY1"/>
-              </a:cxn>
-              <a:cxn ang="0">
-                <a:pos x="connsiteX2" y="connsiteY2"/>
-              </a:cxn>
-              <a:cxn ang="0">
-                <a:pos x="connsiteX3" y="connsiteY3"/>
-              </a:cxn>
-            </a:cxnLst>
-            <a:rect l="l" t="t" r="r" b="b"/>
-            <a:pathLst>
-              <a:path w="2835357" h="1480837">
-                <a:moveTo>
-                  <a:pt x="2835357" y="1480837"/>
-                </a:moveTo>
-                <a:lnTo>
-                  <a:pt x="0" y="1480837"/>
-                </a:lnTo>
-                <a:lnTo>
-                  <a:pt x="1552727" y="0"/>
-                </a:lnTo>
-                <a:lnTo>
-                  <a:pt x="2835357" y="1223245"/>
-                </a:lnTo>
-                <a:close/>
-              </a:path>
-            </a:pathLst>
-          </a:custGeom>
-          <a:solidFill>
-            <a:schemeClr val="accent4">
-              <a:alpha val="30000"/>
-            </a:schemeClr>
-          </a:solidFill>
-          <a:ln>
-            <a:noFill/>
-          </a:ln>
-        </p:spPr>
-        <p:style>
-          <a:lnRef idx="2">
-            <a:schemeClr val="accent1">
-              <a:shade val="50000"/>
-            </a:schemeClr>
-          </a:lnRef>
-          <a:fillRef idx="1">
-            <a:schemeClr val="accent1"/>
-          </a:fillRef>
-          <a:effectRef idx="0">
-            <a:schemeClr val="accent1"/>
-          </a:effectRef>
-          <a:fontRef idx="minor">
-            <a:schemeClr val="lt1"/>
-          </a:fontRef>
-        </p:style>
-        <p:txBody>
-          <a:bodyPr wrap="square" rtlCol="0" anchor="ctr">
-            <a:noAutofit/>
-          </a:bodyPr>
-          <a:lstStyle/>
-          <a:p>
-            <a:pPr algn="ctr"/>
-            <a:endParaRPr lang="en-US" dirty="0"/>
-          </a:p>
-        </p:txBody>
-      </p:sp>
-      <p:sp>
-        <p:nvSpPr>
-          <p:cNvPr id="20" name="Isosceles Triangle 19">
-            <a:extLst>
-              <a:ext uri="{FF2B5EF4-FFF2-40B4-BE49-F238E27FC236}">
-                <a16:creationId xmlns:a16="http://schemas.microsoft.com/office/drawing/2014/main" id="{FF9F2414-84E8-453E-B1F3-389FDE8192D9}"/>
-              </a:ext>
-              <a:ext uri="{C183D7F6-B498-43B3-948B-1728B52AA6E4}">
-                <adec:decorative xmlns:adec="http://schemas.microsoft.com/office/drawing/2017/decorative" val="1"/>
-              </a:ext>
-            </a:extLst>
-          </p:cNvPr>
-          <p:cNvSpPr>
-            <a:spLocks noGrp="1" noRot="1" noChangeAspect="1" noMove="1" noResize="1" noEditPoints="1" noAdjustHandles="1" noChangeArrowheads="1" noChangeShapeType="1" noTextEdit="1"/>
-          </p:cNvSpPr>
-          <p:nvPr>
-            <p:extLst>
-              <p:ext uri="{386F3935-93C4-4BCD-93E2-E3B085C9AB24}">
-                <p16:designElem xmlns:p16="http://schemas.microsoft.com/office/powerpoint/2015/main" val="1"/>
-              </p:ext>
-            </p:extLst>
-          </p:nvPr>
-        </p:nvSpPr>
-        <p:spPr>
-          <a:xfrm flipH="1">
-            <a:off x="7976344" y="6115501"/>
-            <a:ext cx="1494513" cy="742499"/>
-          </a:xfrm>
-          <a:prstGeom prst="triangle">
-            <a:avLst/>
-          </a:prstGeom>
-          <a:solidFill>
-            <a:schemeClr val="accent1">
-              <a:alpha val="30000"/>
-            </a:schemeClr>
-          </a:solidFill>
-          <a:ln>
-            <a:noFill/>
-          </a:ln>
-        </p:spPr>
-        <p:style>
-          <a:lnRef idx="2">
-            <a:schemeClr val="accent1">
-              <a:shade val="50000"/>
-            </a:schemeClr>
-          </a:lnRef>
-          <a:fillRef idx="1">
-            <a:schemeClr val="accent1"/>
-          </a:fillRef>
-          <a:effectRef idx="0">
-            <a:schemeClr val="accent1"/>
-          </a:effectRef>
-          <a:fontRef idx="minor">
-            <a:schemeClr val="lt1"/>
-          </a:fontRef>
-        </p:style>
-        <p:txBody>
-          <a:bodyPr rtlCol="0" anchor="ctr"/>
-          <a:lstStyle/>
-          <a:p>
-            <a:pPr algn="ctr"/>
-            <a:endParaRPr lang="en-US"/>
-          </a:p>
-        </p:txBody>
-      </p:sp>
-      <p:sp>
-        <p:nvSpPr>
-          <p:cNvPr id="22" name="Isosceles Triangle 21">
-            <a:extLst>
-              <a:ext uri="{FF2B5EF4-FFF2-40B4-BE49-F238E27FC236}">
-                <a16:creationId xmlns:a16="http://schemas.microsoft.com/office/drawing/2014/main" id="{3ECA69A1-7536-43AC-85EF-C7106179F5ED}"/>
-              </a:ext>
-              <a:ext uri="{C183D7F6-B498-43B3-948B-1728B52AA6E4}">
-                <adec:decorative xmlns:adec="http://schemas.microsoft.com/office/drawing/2017/decorative" val="1"/>
-              </a:ext>
-            </a:extLst>
-          </p:cNvPr>
-          <p:cNvSpPr>
-            <a:spLocks noGrp="1" noRot="1" noChangeAspect="1" noMove="1" noResize="1" noEditPoints="1" noAdjustHandles="1" noChangeArrowheads="1" noChangeShapeType="1" noTextEdit="1"/>
-          </p:cNvSpPr>
-          <p:nvPr>
-            <p:extLst>
-              <p:ext uri="{386F3935-93C4-4BCD-93E2-E3B085C9AB24}">
-                <p16:designElem xmlns:p16="http://schemas.microsoft.com/office/powerpoint/2015/main" val="1"/>
-              </p:ext>
-            </p:extLst>
-          </p:nvPr>
-        </p:nvSpPr>
-        <p:spPr>
-          <a:xfrm flipH="1">
-            <a:off x="7604080" y="6453143"/>
-            <a:ext cx="814903" cy="404857"/>
-          </a:xfrm>
-          <a:prstGeom prst="triangle">
-            <a:avLst/>
-          </a:prstGeom>
-          <a:solidFill>
-            <a:schemeClr val="accent1">
-              <a:alpha val="30000"/>
-            </a:schemeClr>
-          </a:solidFill>
-          <a:ln>
-            <a:noFill/>
-          </a:ln>
-        </p:spPr>
-        <p:style>
-          <a:lnRef idx="2">
-            <a:schemeClr val="accent1">
-              <a:shade val="50000"/>
-            </a:schemeClr>
-          </a:lnRef>
-          <a:fillRef idx="1">
-            <a:schemeClr val="accent1"/>
-          </a:fillRef>
-          <a:effectRef idx="0">
-            <a:schemeClr val="accent1"/>
-          </a:effectRef>
-          <a:fontRef idx="minor">
-            <a:schemeClr val="lt1"/>
-          </a:fontRef>
-        </p:style>
-        <p:txBody>
-          <a:bodyPr rtlCol="0" anchor="ctr"/>
-          <a:lstStyle/>
-          <a:p>
-            <a:pPr algn="ctr"/>
-            <a:endParaRPr lang="en-US"/>
-          </a:p>
-        </p:txBody>
-      </p:sp>
-      <p:pic>
-        <p:nvPicPr>
-          <p:cNvPr id="6" name="Imagem 5" descr="Desenho com traços pretos em fundo branco e letras pretas em fundo branco&#10;&#10;Descrição gerada automaticamente com confiança média">
-            <a:extLst>
-              <a:ext uri="{FF2B5EF4-FFF2-40B4-BE49-F238E27FC236}">
-                <a16:creationId xmlns:a16="http://schemas.microsoft.com/office/drawing/2014/main" id="{8E07B8E8-6B50-B995-9C22-61548527FDF0}"/>
-              </a:ext>
-            </a:extLst>
-          </p:cNvPr>
-          <p:cNvPicPr>
-            <a:picLocks noChangeAspect="1"/>
-          </p:cNvPicPr>
-          <p:nvPr/>
-        </p:nvPicPr>
-        <p:blipFill>
-          <a:blip r:embed="rId2">
-            <a:extLst>
-              <a:ext uri="{28A0092B-C50C-407E-A947-70E740481C1C}">
-                <a14:useLocalDpi xmlns:a14="http://schemas.microsoft.com/office/drawing/2010/main" val="0"/>
-              </a:ext>
-            </a:extLst>
-          </a:blip>
-          <a:stretch>
-            <a:fillRect/>
-          </a:stretch>
-        </p:blipFill>
-        <p:spPr>
-          <a:xfrm>
-            <a:off x="4720365" y="303618"/>
-            <a:ext cx="3352806" cy="1173482"/>
-          </a:xfrm>
-          <a:prstGeom prst="rect">
-            <a:avLst/>
-          </a:prstGeom>
-        </p:spPr>
-      </p:pic>
-      <p:pic>
-        <p:nvPicPr>
-          <p:cNvPr id="3" name="Imagem 2">
-            <a:extLst>
-              <a:ext uri="{FF2B5EF4-FFF2-40B4-BE49-F238E27FC236}">
-                <a16:creationId xmlns:a16="http://schemas.microsoft.com/office/drawing/2014/main" id="{79A293EB-68FB-B791-F460-60475240A184}"/>
-              </a:ext>
-            </a:extLst>
-          </p:cNvPr>
-          <p:cNvPicPr>
-            <a:picLocks noChangeAspect="1"/>
-          </p:cNvPicPr>
-          <p:nvPr/>
-        </p:nvPicPr>
-        <p:blipFill>
-          <a:blip r:embed="rId3"/>
-          <a:stretch>
-            <a:fillRect/>
-          </a:stretch>
-        </p:blipFill>
-        <p:spPr>
-          <a:xfrm>
-            <a:off x="5777971" y="4815471"/>
-            <a:ext cx="1669419" cy="1505072"/>
-          </a:xfrm>
-          <a:prstGeom prst="rect">
-            <a:avLst/>
-          </a:prstGeom>
-        </p:spPr>
-      </p:pic>
-      <p:pic>
-        <p:nvPicPr>
-          <p:cNvPr id="4" name="Imagem 3">
-            <a:extLst>
-              <a:ext uri="{FF2B5EF4-FFF2-40B4-BE49-F238E27FC236}">
-                <a16:creationId xmlns:a16="http://schemas.microsoft.com/office/drawing/2014/main" id="{87375792-4058-F6A6-BB22-A78C2BC8CC49}"/>
-              </a:ext>
-            </a:extLst>
-          </p:cNvPr>
-          <p:cNvPicPr>
-            <a:picLocks noChangeAspect="1"/>
-          </p:cNvPicPr>
-          <p:nvPr/>
-        </p:nvPicPr>
-        <p:blipFill>
-          <a:blip r:embed="rId4"/>
-          <a:stretch>
-            <a:fillRect/>
-          </a:stretch>
-        </p:blipFill>
-        <p:spPr>
-          <a:xfrm>
-            <a:off x="5955397" y="6279064"/>
-            <a:ext cx="1314566" cy="553234"/>
-          </a:xfrm>
-          <a:prstGeom prst="rect">
-            <a:avLst/>
-          </a:prstGeom>
-        </p:spPr>
-      </p:pic>
-      <p:sp>
-        <p:nvSpPr>
-          <p:cNvPr id="8" name="Retângulo 7">
-            <a:extLst>
-              <a:ext uri="{FF2B5EF4-FFF2-40B4-BE49-F238E27FC236}">
-                <a16:creationId xmlns:a16="http://schemas.microsoft.com/office/drawing/2014/main" id="{52E891EC-93B2-EBD6-6BF2-F22A3E1E2107}"/>
-              </a:ext>
-            </a:extLst>
-          </p:cNvPr>
-          <p:cNvSpPr/>
-          <p:nvPr/>
-        </p:nvSpPr>
-        <p:spPr>
-          <a:xfrm>
-            <a:off x="4478384" y="1947265"/>
-            <a:ext cx="4878259" cy="923330"/>
-          </a:xfrm>
-          <a:prstGeom prst="rect">
-            <a:avLst/>
-          </a:prstGeom>
-          <a:noFill/>
-        </p:spPr>
-        <p:txBody>
-          <a:bodyPr wrap="none" lIns="91440" tIns="45720" rIns="91440" bIns="45720">
-            <a:spAutoFit/>
-          </a:bodyPr>
-          <a:lstStyle/>
-          <a:p>
-            <a:pPr algn="ctr"/>
-            <a:r>
-              <a:rPr lang="pt-BR" sz="5400" b="1" cap="none" spc="0" dirty="0">
-                <a:ln w="0"/>
-                <a:gradFill>
-                  <a:gsLst>
-                    <a:gs pos="42000">
-                      <a:schemeClr val="tx2"/>
-                    </a:gs>
-                    <a:gs pos="100000">
-                      <a:srgbClr val="C00000"/>
-                    </a:gs>
-                  </a:gsLst>
-                  <a:lin ang="2700000" scaled="1"/>
-                </a:gradFill>
-                <a:effectLst>
-                  <a:outerShdw blurRad="38100" dist="25400" dir="5400000" algn="ctr" rotWithShape="0">
-                    <a:srgbClr val="6E747A">
-                      <a:alpha val="43000"/>
-                    </a:srgbClr>
-                  </a:outerShdw>
-                </a:effectLst>
-                <a:latin typeface="Arial" panose="020B0604020202020204" pitchFamily="34" charset="0"/>
-                <a:cs typeface="Arial" panose="020B0604020202020204" pitchFamily="34" charset="0"/>
-              </a:rPr>
-              <a:t>OBRIGADO !!!</a:t>
-            </a:r>
-          </a:p>
-        </p:txBody>
-      </p:sp>
-      <p:sp>
-        <p:nvSpPr>
-          <p:cNvPr id="2" name="Retângulo 1">
-            <a:extLst>
-              <a:ext uri="{FF2B5EF4-FFF2-40B4-BE49-F238E27FC236}">
-                <a16:creationId xmlns:a16="http://schemas.microsoft.com/office/drawing/2014/main" id="{EC636456-808A-4D5C-1583-F701C810F614}"/>
-              </a:ext>
-            </a:extLst>
-          </p:cNvPr>
-          <p:cNvSpPr/>
-          <p:nvPr/>
-        </p:nvSpPr>
-        <p:spPr>
-          <a:xfrm>
-            <a:off x="4593012" y="3354684"/>
-            <a:ext cx="4517582" cy="461665"/>
-          </a:xfrm>
-          <a:prstGeom prst="rect">
-            <a:avLst/>
-          </a:prstGeom>
-          <a:noFill/>
-        </p:spPr>
-        <p:txBody>
-          <a:bodyPr wrap="none" lIns="91440" tIns="45720" rIns="91440" bIns="45720">
-            <a:spAutoFit/>
-          </a:bodyPr>
-          <a:lstStyle/>
-          <a:p>
-            <a:pPr algn="ctr"/>
-            <a:r>
-              <a:rPr lang="pt-BR" sz="2400" b="1" cap="none" spc="0" dirty="0">
-                <a:ln w="0"/>
-                <a:gradFill>
-                  <a:gsLst>
-                    <a:gs pos="42000">
-                      <a:schemeClr val="tx2"/>
-                    </a:gs>
-                    <a:gs pos="100000">
-                      <a:srgbClr val="C00000"/>
-                    </a:gs>
-                  </a:gsLst>
-                  <a:lin ang="2700000" scaled="1"/>
-                </a:gradFill>
-                <a:effectLst>
-                  <a:outerShdw blurRad="38100" dist="25400" dir="5400000" algn="ctr" rotWithShape="0">
-                    <a:srgbClr val="6E747A">
-                      <a:alpha val="43000"/>
-                    </a:srgbClr>
-                  </a:outerShdw>
-                </a:effectLst>
-                <a:latin typeface="Arial" panose="020B0604020202020204" pitchFamily="34" charset="0"/>
-                <a:cs typeface="Arial" panose="020B0604020202020204" pitchFamily="34" charset="0"/>
-              </a:rPr>
-              <a:t>E-MAIL: jhmiante@gmail.com</a:t>
-            </a:r>
-          </a:p>
-        </p:txBody>
-      </p:sp>
-    </p:spTree>
-    <p:extLst>
-      <p:ext uri="{BB962C8B-B14F-4D97-AF65-F5344CB8AC3E}">
-        <p14:creationId xmlns:p14="http://schemas.microsoft.com/office/powerpoint/2010/main" val="834360927"/>
-      </p:ext>
-    </p:extLst>
-  </p:cSld>
-  <p:clrMapOvr>
-    <a:masterClrMapping/>
-  </p:clrMapOvr>
-  <mc:AlternateContent xmlns:mc="http://schemas.openxmlformats.org/markup-compatibility/2006">
-    <mc:Choice xmlns:p159="http://schemas.microsoft.com/office/powerpoint/2015/09/main" Requires="p159">
-      <p:transition xmlns:p14="http://schemas.microsoft.com/office/powerpoint/2010/main" spd="slow" p14:dur="2000">
-        <p159:morph option="byObject"/>
-      </p:transition>
-    </mc:Choice>
-    <mc:Fallback>
-      <p:transition spd="slow">
-        <p:fade/>
-      </p:transition>
-    </mc:Fallback>
-  </mc:AlternateContent>
-</p:sld>
-</file>
-
-<file path=ppt/slides/slide2.xml><?xml version="1.0" encoding="utf-8"?>
-<p:sld xmlns:a="http://schemas.openxmlformats.org/drawingml/2006/main" xmlns:r="http://schemas.openxmlformats.org/officeDocument/2006/relationships" xmlns:p="http://schemas.openxmlformats.org/presentationml/2006/main">
-  <p:cSld>
-    <p:bg>
-      <p:bgPr>
-        <a:solidFill>
-          <a:schemeClr val="bg1"/>
-        </a:solidFill>
-        <a:effectLst/>
-      </p:bgPr>
-    </p:bg>
-    <p:spTree>
-      <p:nvGrpSpPr>
-        <p:cNvPr id="1" name=""/>
-        <p:cNvGrpSpPr/>
-        <p:nvPr/>
-      </p:nvGrpSpPr>
-      <p:grpSpPr>
-        <a:xfrm>
-          <a:off x="0" y="0"/>
-          <a:ext cx="0" cy="0"/>
-          <a:chOff x="0" y="0"/>
-          <a:chExt cx="0" cy="0"/>
-        </a:xfrm>
-      </p:grpSpPr>
-      <p:sp>
-        <p:nvSpPr>
-          <p:cNvPr id="27" name="Rectangle 26">
-            <a:extLst>
-              <a:ext uri="{FF2B5EF4-FFF2-40B4-BE49-F238E27FC236}">
-                <a16:creationId xmlns:a16="http://schemas.microsoft.com/office/drawing/2014/main" id="{86FF76B9-219D-4469-AF87-0236D29032F1}"/>
-              </a:ext>
-              <a:ext uri="{C183D7F6-B498-43B3-948B-1728B52AA6E4}">
-                <adec:decorative xmlns:adec="http://schemas.microsoft.com/office/drawing/2017/decorative" val="1"/>
-              </a:ext>
-            </a:extLst>
-          </p:cNvPr>
-          <p:cNvSpPr>
-            <a:spLocks noGrp="1" noRot="1" noChangeAspect="1" noMove="1" noResize="1" noEditPoints="1" noAdjustHandles="1" noChangeArrowheads="1" noChangeShapeType="1" noTextEdit="1"/>
-          </p:cNvSpPr>
-          <p:nvPr>
-            <p:extLst>
-              <p:ext uri="{386F3935-93C4-4BCD-93E2-E3B085C9AB24}">
-                <p16:designElem xmlns:p16="http://schemas.microsoft.com/office/powerpoint/2015/main" val="1"/>
-              </p:ext>
-            </p:extLst>
-          </p:nvPr>
-        </p:nvSpPr>
-        <p:spPr>
-          <a:xfrm>
-            <a:off x="0" y="0"/>
-            <a:ext cx="12192000" cy="6858000"/>
-          </a:xfrm>
-          <a:prstGeom prst="rect">
-            <a:avLst/>
-          </a:prstGeom>
-          <a:solidFill>
-            <a:schemeClr val="bg1"/>
-          </a:solidFill>
-          <a:ln>
-            <a:noFill/>
-          </a:ln>
-        </p:spPr>
-        <p:style>
-          <a:lnRef idx="2">
-            <a:schemeClr val="accent1">
-              <a:shade val="50000"/>
-            </a:schemeClr>
-          </a:lnRef>
-          <a:fillRef idx="1">
-            <a:schemeClr val="accent1"/>
-          </a:fillRef>
-          <a:effectRef idx="0">
-            <a:schemeClr val="accent1"/>
-          </a:effectRef>
-          <a:fontRef idx="minor">
-            <a:schemeClr val="lt1"/>
-          </a:fontRef>
-        </p:style>
-        <p:txBody>
-          <a:bodyPr rtlCol="0" anchor="ctr"/>
-          <a:lstStyle/>
-          <a:p>
-            <a:pPr algn="ctr"/>
-            <a:endParaRPr lang="en-US" dirty="0"/>
-          </a:p>
-        </p:txBody>
-      </p:sp>
-      <p:grpSp>
-        <p:nvGrpSpPr>
-          <p:cNvPr id="29" name="Group 28">
-            <a:extLst>
-              <a:ext uri="{FF2B5EF4-FFF2-40B4-BE49-F238E27FC236}">
-                <a16:creationId xmlns:a16="http://schemas.microsoft.com/office/drawing/2014/main" id="{DB88BD78-87E1-424D-B479-C37D8E41B12E}"/>
-              </a:ext>
-              <a:ext uri="{C183D7F6-B498-43B3-948B-1728B52AA6E4}">
-                <adec:decorative xmlns:adec="http://schemas.microsoft.com/office/drawing/2017/decorative" val="1"/>
-              </a:ext>
-            </a:extLst>
-          </p:cNvPr>
-          <p:cNvGrpSpPr>
-            <a:grpSpLocks noGrp="1" noUngrp="1" noRot="1" noChangeAspect="1" noMove="1" noResize="1"/>
-          </p:cNvGrpSpPr>
-          <p:nvPr>
-            <p:extLst>
-              <p:ext uri="{386F3935-93C4-4BCD-93E2-E3B085C9AB24}">
-                <p16:designElem xmlns:p16="http://schemas.microsoft.com/office/powerpoint/2015/main" val="1"/>
-              </p:ext>
-            </p:extLst>
-          </p:nvPr>
-        </p:nvGrpSpPr>
-        <p:grpSpPr>
-          <a:xfrm flipH="1">
-            <a:off x="10964637" y="2358"/>
-            <a:ext cx="1876653" cy="1766008"/>
-            <a:chOff x="-648769" y="2358"/>
-            <a:chExt cx="1876653" cy="1766008"/>
-          </a:xfrm>
-        </p:grpSpPr>
-        <p:sp>
-          <p:nvSpPr>
-            <p:cNvPr id="30" name="Freeform: Shape 29">
-              <a:extLst>
-                <a:ext uri="{FF2B5EF4-FFF2-40B4-BE49-F238E27FC236}">
-                  <a16:creationId xmlns:a16="http://schemas.microsoft.com/office/drawing/2014/main" id="{C05EB894-9410-4B20-95E4-7A25101AB895}"/>
-                </a:ext>
-                <a:ext uri="{C183D7F6-B498-43B3-948B-1728B52AA6E4}">
-                  <adec:decorative xmlns:adec="http://schemas.microsoft.com/office/drawing/2017/decorative" val="1"/>
-                </a:ext>
-              </a:extLst>
-            </p:cNvPr>
-            <p:cNvSpPr/>
-            <p:nvPr>
-              <p:extLst>
-                <p:ext uri="{386F3935-93C4-4BCD-93E2-E3B085C9AB24}">
-                  <p16:designElem xmlns:p16="http://schemas.microsoft.com/office/powerpoint/2015/main" val="1"/>
-                </p:ext>
-              </p:extLst>
-            </p:nvPr>
-          </p:nvSpPr>
-          <p:spPr>
-            <a:xfrm rot="2700000">
-              <a:off x="-415188" y="-231223"/>
-              <a:ext cx="1409491" cy="1876653"/>
-            </a:xfrm>
-            <a:custGeom>
-              <a:avLst/>
-              <a:gdLst>
-                <a:gd name="connsiteX0" fmla="*/ 0 w 1409491"/>
-                <a:gd name="connsiteY0" fmla="*/ 643075 h 1876653"/>
-                <a:gd name="connsiteX1" fmla="*/ 643075 w 1409491"/>
-                <a:gd name="connsiteY1" fmla="*/ 0 h 1876653"/>
-                <a:gd name="connsiteX2" fmla="*/ 1409491 w 1409491"/>
-                <a:gd name="connsiteY2" fmla="*/ 0 h 1876653"/>
-                <a:gd name="connsiteX3" fmla="*/ 1409491 w 1409491"/>
-                <a:gd name="connsiteY3" fmla="*/ 1876653 h 1876653"/>
-                <a:gd name="connsiteX4" fmla="*/ 1233578 w 1409491"/>
-                <a:gd name="connsiteY4" fmla="*/ 1876653 h 1876653"/>
-              </a:gdLst>
-              <a:ahLst/>
-              <a:cxnLst>
-                <a:cxn ang="0">
-                  <a:pos x="connsiteX0" y="connsiteY0"/>
-                </a:cxn>
-                <a:cxn ang="0">
-                  <a:pos x="connsiteX1" y="connsiteY1"/>
-                </a:cxn>
-                <a:cxn ang="0">
-                  <a:pos x="connsiteX2" y="connsiteY2"/>
-                </a:cxn>
-                <a:cxn ang="0">
-                  <a:pos x="connsiteX3" y="connsiteY3"/>
-                </a:cxn>
-                <a:cxn ang="0">
-                  <a:pos x="connsiteX4" y="connsiteY4"/>
-                </a:cxn>
-              </a:cxnLst>
-              <a:rect l="l" t="t" r="r" b="b"/>
-              <a:pathLst>
-                <a:path w="1409491" h="1876653">
-                  <a:moveTo>
-                    <a:pt x="0" y="643075"/>
-                  </a:moveTo>
-                  <a:lnTo>
-                    <a:pt x="643075" y="0"/>
-                  </a:lnTo>
-                  <a:lnTo>
-                    <a:pt x="1409491" y="0"/>
-                  </a:lnTo>
-                  <a:lnTo>
-                    <a:pt x="1409491" y="1876653"/>
-                  </a:lnTo>
-                  <a:lnTo>
-                    <a:pt x="1233578" y="1876653"/>
-                  </a:lnTo>
-                  <a:close/>
-                </a:path>
-              </a:pathLst>
-            </a:custGeom>
-            <a:solidFill>
-              <a:schemeClr val="accent1">
-                <a:alpha val="30000"/>
-              </a:schemeClr>
-            </a:solidFill>
-            <a:ln>
-              <a:noFill/>
-            </a:ln>
-          </p:spPr>
-          <p:style>
-            <a:lnRef idx="2">
-              <a:schemeClr val="accent1">
-                <a:shade val="50000"/>
-              </a:schemeClr>
-            </a:lnRef>
-            <a:fillRef idx="1">
-              <a:schemeClr val="accent1"/>
-            </a:fillRef>
-            <a:effectRef idx="0">
-              <a:schemeClr val="accent1"/>
-            </a:effectRef>
-            <a:fontRef idx="minor">
-              <a:schemeClr val="lt1"/>
-            </a:fontRef>
-          </p:style>
-          <p:txBody>
-            <a:bodyPr rtlCol="0" anchor="ctr"/>
-            <a:lstStyle/>
-            <a:p>
-              <a:pPr algn="ctr"/>
-              <a:endParaRPr lang="en-US"/>
-            </a:p>
-          </p:txBody>
-        </p:sp>
-        <p:sp>
-          <p:nvSpPr>
-            <p:cNvPr id="31" name="Rectangle 30">
-              <a:extLst>
-                <a:ext uri="{FF2B5EF4-FFF2-40B4-BE49-F238E27FC236}">
-                  <a16:creationId xmlns:a16="http://schemas.microsoft.com/office/drawing/2014/main" id="{166E38B6-B050-4340-8E8F-3A971DADC031}"/>
-                </a:ext>
-                <a:ext uri="{C183D7F6-B498-43B3-948B-1728B52AA6E4}">
-                  <adec:decorative xmlns:adec="http://schemas.microsoft.com/office/drawing/2017/decorative" val="1"/>
-                </a:ext>
-              </a:extLst>
-            </p:cNvPr>
-            <p:cNvSpPr/>
-            <p:nvPr>
-              <p:extLst>
-                <p:ext uri="{386F3935-93C4-4BCD-93E2-E3B085C9AB24}">
-                  <p16:designElem xmlns:p16="http://schemas.microsoft.com/office/powerpoint/2015/main" val="1"/>
-                </p:ext>
-              </p:extLst>
-            </p:nvPr>
-          </p:nvSpPr>
-          <p:spPr>
-            <a:xfrm rot="2700000">
-              <a:off x="301285" y="1282788"/>
-              <a:ext cx="485578" cy="485578"/>
-            </a:xfrm>
-            <a:prstGeom prst="rect">
-              <a:avLst/>
-            </a:prstGeom>
-            <a:solidFill>
-              <a:schemeClr val="accent1">
-                <a:alpha val="30000"/>
-              </a:schemeClr>
-            </a:solidFill>
-            <a:ln>
-              <a:noFill/>
-            </a:ln>
-          </p:spPr>
-          <p:style>
-            <a:lnRef idx="2">
-              <a:schemeClr val="accent1">
-                <a:shade val="50000"/>
-              </a:schemeClr>
-            </a:lnRef>
-            <a:fillRef idx="1">
-              <a:schemeClr val="accent1"/>
-            </a:fillRef>
-            <a:effectRef idx="0">
-              <a:schemeClr val="accent1"/>
-            </a:effectRef>
-            <a:fontRef idx="minor">
-              <a:schemeClr val="lt1"/>
-            </a:fontRef>
-          </p:style>
-          <p:txBody>
-            <a:bodyPr rtlCol="0" anchor="ctr"/>
-            <a:lstStyle/>
-            <a:p>
-              <a:pPr algn="ctr"/>
-              <a:endParaRPr lang="en-US"/>
-            </a:p>
-          </p:txBody>
-        </p:sp>
-      </p:grpSp>
-      <p:sp>
-        <p:nvSpPr>
-          <p:cNvPr id="33" name="Rectangle 32">
-            <a:extLst>
-              <a:ext uri="{FF2B5EF4-FFF2-40B4-BE49-F238E27FC236}">
-                <a16:creationId xmlns:a16="http://schemas.microsoft.com/office/drawing/2014/main" id="{2E80C965-DB6D-4F81-9E9E-B027384D0BD6}"/>
-              </a:ext>
-              <a:ext uri="{C183D7F6-B498-43B3-948B-1728B52AA6E4}">
-                <adec:decorative xmlns:adec="http://schemas.microsoft.com/office/drawing/2017/decorative" val="1"/>
-              </a:ext>
-            </a:extLst>
-          </p:cNvPr>
-          <p:cNvSpPr>
-            <a:spLocks noGrp="1" noRot="1" noChangeAspect="1" noMove="1" noResize="1" noEditPoints="1" noAdjustHandles="1" noChangeArrowheads="1" noChangeShapeType="1" noTextEdit="1"/>
-          </p:cNvSpPr>
-          <p:nvPr>
-            <p:extLst>
-              <p:ext uri="{386F3935-93C4-4BCD-93E2-E3B085C9AB24}">
-                <p16:designElem xmlns:p16="http://schemas.microsoft.com/office/powerpoint/2015/main" val="1"/>
-              </p:ext>
-            </p:extLst>
-          </p:nvPr>
-        </p:nvSpPr>
-        <p:spPr>
-          <a:xfrm rot="2700000">
-            <a:off x="2737196" y="6033666"/>
-            <a:ext cx="645368" cy="645368"/>
-          </a:xfrm>
-          <a:prstGeom prst="rect">
-            <a:avLst/>
-          </a:prstGeom>
-          <a:solidFill>
-            <a:schemeClr val="accent4">
-              <a:alpha val="30000"/>
-            </a:schemeClr>
-          </a:solidFill>
-          <a:ln>
-            <a:noFill/>
-          </a:ln>
-        </p:spPr>
-        <p:style>
-          <a:lnRef idx="2">
-            <a:schemeClr val="accent1">
-              <a:shade val="50000"/>
-            </a:schemeClr>
-          </a:lnRef>
-          <a:fillRef idx="1">
-            <a:schemeClr val="accent1"/>
-          </a:fillRef>
-          <a:effectRef idx="0">
-            <a:schemeClr val="accent1"/>
-          </a:effectRef>
-          <a:fontRef idx="minor">
-            <a:schemeClr val="lt1"/>
-          </a:fontRef>
-        </p:style>
-        <p:txBody>
-          <a:bodyPr rtlCol="0" anchor="ctr"/>
-          <a:lstStyle/>
-          <a:p>
-            <a:pPr algn="ctr"/>
-            <a:endParaRPr lang="en-US"/>
-          </a:p>
-        </p:txBody>
-      </p:sp>
-      <p:sp>
-        <p:nvSpPr>
-          <p:cNvPr id="35" name="Isosceles Triangle 34">
-            <a:extLst>
-              <a:ext uri="{FF2B5EF4-FFF2-40B4-BE49-F238E27FC236}">
-                <a16:creationId xmlns:a16="http://schemas.microsoft.com/office/drawing/2014/main" id="{633C5E46-DAC5-4661-9C87-22B08E2A512F}"/>
-              </a:ext>
-              <a:ext uri="{C183D7F6-B498-43B3-948B-1728B52AA6E4}">
-                <adec:decorative xmlns:adec="http://schemas.microsoft.com/office/drawing/2017/decorative" val="1"/>
-              </a:ext>
-            </a:extLst>
-          </p:cNvPr>
-          <p:cNvSpPr>
-            <a:spLocks noGrp="1" noRot="1" noChangeAspect="1" noMove="1" noResize="1" noEditPoints="1" noAdjustHandles="1" noChangeArrowheads="1" noChangeShapeType="1" noTextEdit="1"/>
-          </p:cNvSpPr>
-          <p:nvPr>
-            <p:extLst>
-              <p:ext uri="{386F3935-93C4-4BCD-93E2-E3B085C9AB24}">
-                <p16:designElem xmlns:p16="http://schemas.microsoft.com/office/powerpoint/2015/main" val="1"/>
-              </p:ext>
-            </p:extLst>
-          </p:nvPr>
-        </p:nvSpPr>
-        <p:spPr>
-          <a:xfrm>
-            <a:off x="1343436" y="5721108"/>
-            <a:ext cx="2261965" cy="1136891"/>
-          </a:xfrm>
-          <a:prstGeom prst="triangle">
-            <a:avLst>
-              <a:gd name="adj" fmla="val 50000"/>
-            </a:avLst>
-          </a:prstGeom>
-          <a:solidFill>
-            <a:schemeClr val="accent4">
-              <a:alpha val="30000"/>
-            </a:schemeClr>
-          </a:solidFill>
-          <a:ln>
-            <a:noFill/>
-          </a:ln>
-        </p:spPr>
-        <p:style>
-          <a:lnRef idx="2">
-            <a:schemeClr val="accent1">
-              <a:shade val="50000"/>
-            </a:schemeClr>
-          </a:lnRef>
-          <a:fillRef idx="1">
-            <a:schemeClr val="accent1"/>
-          </a:fillRef>
-          <a:effectRef idx="0">
-            <a:schemeClr val="accent1"/>
-          </a:effectRef>
-          <a:fontRef idx="minor">
-            <a:schemeClr val="lt1"/>
-          </a:fontRef>
-        </p:style>
-        <p:txBody>
-          <a:bodyPr rtlCol="0" anchor="ctr"/>
-          <a:lstStyle/>
-          <a:p>
-            <a:pPr algn="ctr"/>
-            <a:endParaRPr lang="en-US"/>
-          </a:p>
-        </p:txBody>
-      </p:sp>
-      <p:pic>
-        <p:nvPicPr>
-          <p:cNvPr id="7" name="Imagem 6">
-            <a:extLst>
-              <a:ext uri="{FF2B5EF4-FFF2-40B4-BE49-F238E27FC236}">
-                <a16:creationId xmlns:a16="http://schemas.microsoft.com/office/drawing/2014/main" id="{722497E2-F5DF-99C2-1676-365C50FA9207}"/>
-              </a:ext>
-            </a:extLst>
-          </p:cNvPr>
-          <p:cNvPicPr>
-            <a:picLocks noChangeAspect="1"/>
-          </p:cNvPicPr>
-          <p:nvPr/>
-        </p:nvPicPr>
-        <p:blipFill>
-          <a:blip r:embed="rId2"/>
-          <a:stretch>
-            <a:fillRect/>
-          </a:stretch>
-        </p:blipFill>
-        <p:spPr>
-          <a:xfrm>
-            <a:off x="28870" y="6289553"/>
-            <a:ext cx="1314566" cy="553234"/>
-          </a:xfrm>
-          <a:prstGeom prst="rect">
-            <a:avLst/>
-          </a:prstGeom>
-        </p:spPr>
-      </p:pic>
-      <p:sp>
-        <p:nvSpPr>
-          <p:cNvPr id="8" name="Retângulo 7">
-            <a:extLst>
-              <a:ext uri="{FF2B5EF4-FFF2-40B4-BE49-F238E27FC236}">
-                <a16:creationId xmlns:a16="http://schemas.microsoft.com/office/drawing/2014/main" id="{BC2B419B-77A6-3E60-CE53-5B76F3B5BF2D}"/>
-              </a:ext>
-            </a:extLst>
-          </p:cNvPr>
-          <p:cNvSpPr/>
-          <p:nvPr/>
-        </p:nvSpPr>
-        <p:spPr>
-          <a:xfrm>
             <a:off x="3124737" y="339536"/>
             <a:ext cx="5942525" cy="923330"/>
           </a:xfrm>
@@ -10165,13 +10508,13 @@
   <p:clrMapOvr>
     <a:masterClrMapping/>
   </p:clrMapOvr>
-  <mc:AlternateContent xmlns:mc="http://schemas.openxmlformats.org/markup-compatibility/2006">
-    <mc:Choice xmlns:p159="http://schemas.microsoft.com/office/powerpoint/2015/09/main" Requires="p159">
+  <mc:AlternateContent xmlns:mc="http://schemas.openxmlformats.org/markup-compatibility/2006" xmlns:p159="http://schemas.microsoft.com/office/powerpoint/2015/09/main">
+    <mc:Choice Requires="p159">
       <p:transition xmlns:p14="http://schemas.microsoft.com/office/powerpoint/2010/main" spd="slow" p14:dur="2000">
         <p159:morph option="byObject"/>
       </p:transition>
     </mc:Choice>
-    <mc:Fallback>
+    <mc:Fallback xmlns="">
       <p:transition spd="slow">
         <p:fade/>
       </p:transition>
